--- a/Theory/НИР.pptx
+++ b/Theory/НИР.pptx
@@ -9,15 +9,16 @@
     <p:sldId id="257" r:id="rId3"/>
     <p:sldId id="258" r:id="rId4"/>
     <p:sldId id="259" r:id="rId5"/>
-    <p:sldId id="260" r:id="rId6"/>
-    <p:sldId id="261" r:id="rId7"/>
-    <p:sldId id="262" r:id="rId8"/>
-    <p:sldId id="263" r:id="rId9"/>
-    <p:sldId id="264" r:id="rId10"/>
-    <p:sldId id="265" r:id="rId11"/>
+    <p:sldId id="265" r:id="rId6"/>
+    <p:sldId id="260" r:id="rId7"/>
+    <p:sldId id="261" r:id="rId8"/>
+    <p:sldId id="262" r:id="rId9"/>
+    <p:sldId id="263" r:id="rId10"/>
+    <p:sldId id="264" r:id="rId11"/>
     <p:sldId id="266" r:id="rId12"/>
     <p:sldId id="267" r:id="rId13"/>
     <p:sldId id="270" r:id="rId14"/>
+    <p:sldId id="271" r:id="rId15"/>
   </p:sldIdLst>
   <p:sldSz cx="12192000" cy="6858000"/>
   <p:notesSz cx="6858000" cy="9144000"/>
@@ -626,7 +627,7 @@
           <a:p>
             <a:fld id="{86DFAFAE-96CA-4C93-825D-3533444A4126}" type="datetimeFigureOut">
               <a:rPr lang="ru-RU" smtClean="0"/>
-              <a:t>19.05.2015</a:t>
+              <a:t>02.06.2015</a:t>
             </a:fld>
             <a:endParaRPr lang="ru-RU"/>
           </a:p>
@@ -922,7 +923,7 @@
           <a:p>
             <a:fld id="{86DFAFAE-96CA-4C93-825D-3533444A4126}" type="datetimeFigureOut">
               <a:rPr lang="ru-RU" smtClean="0"/>
-              <a:t>19.05.2015</a:t>
+              <a:t>02.06.2015</a:t>
             </a:fld>
             <a:endParaRPr lang="ru-RU"/>
           </a:p>
@@ -1170,7 +1171,7 @@
           <a:p>
             <a:fld id="{86DFAFAE-96CA-4C93-825D-3533444A4126}" type="datetimeFigureOut">
               <a:rPr lang="ru-RU" smtClean="0"/>
-              <a:t>19.05.2015</a:t>
+              <a:t>02.06.2015</a:t>
             </a:fld>
             <a:endParaRPr lang="ru-RU"/>
           </a:p>
@@ -1710,7 +1711,7 @@
           <a:p>
             <a:fld id="{86DFAFAE-96CA-4C93-825D-3533444A4126}" type="datetimeFigureOut">
               <a:rPr lang="ru-RU" smtClean="0"/>
-              <a:t>19.05.2015</a:t>
+              <a:t>02.06.2015</a:t>
             </a:fld>
             <a:endParaRPr lang="ru-RU"/>
           </a:p>
@@ -1958,7 +1959,7 @@
           <a:p>
             <a:fld id="{86DFAFAE-96CA-4C93-825D-3533444A4126}" type="datetimeFigureOut">
               <a:rPr lang="ru-RU" smtClean="0"/>
-              <a:t>19.05.2015</a:t>
+              <a:t>02.06.2015</a:t>
             </a:fld>
             <a:endParaRPr lang="ru-RU"/>
           </a:p>
@@ -2490,7 +2491,7 @@
           <a:p>
             <a:fld id="{86DFAFAE-96CA-4C93-825D-3533444A4126}" type="datetimeFigureOut">
               <a:rPr lang="ru-RU" smtClean="0"/>
-              <a:t>19.05.2015</a:t>
+              <a:t>02.06.2015</a:t>
             </a:fld>
             <a:endParaRPr lang="ru-RU"/>
           </a:p>
@@ -2787,7 +2788,7 @@
           <a:p>
             <a:fld id="{86DFAFAE-96CA-4C93-825D-3533444A4126}" type="datetimeFigureOut">
               <a:rPr lang="ru-RU" smtClean="0"/>
-              <a:t>19.05.2015</a:t>
+              <a:t>02.06.2015</a:t>
             </a:fld>
             <a:endParaRPr lang="ru-RU"/>
           </a:p>
@@ -2961,7 +2962,7 @@
           <a:p>
             <a:fld id="{86DFAFAE-96CA-4C93-825D-3533444A4126}" type="datetimeFigureOut">
               <a:rPr lang="ru-RU" smtClean="0"/>
-              <a:t>19.05.2015</a:t>
+              <a:t>02.06.2015</a:t>
             </a:fld>
             <a:endParaRPr lang="ru-RU"/>
           </a:p>
@@ -3141,7 +3142,7 @@
           <a:p>
             <a:fld id="{86DFAFAE-96CA-4C93-825D-3533444A4126}" type="datetimeFigureOut">
               <a:rPr lang="ru-RU" smtClean="0"/>
-              <a:t>19.05.2015</a:t>
+              <a:t>02.06.2015</a:t>
             </a:fld>
             <a:endParaRPr lang="ru-RU"/>
           </a:p>
@@ -3311,7 +3312,7 @@
           <a:p>
             <a:fld id="{86DFAFAE-96CA-4C93-825D-3533444A4126}" type="datetimeFigureOut">
               <a:rPr lang="ru-RU" smtClean="0"/>
-              <a:t>19.05.2015</a:t>
+              <a:t>02.06.2015</a:t>
             </a:fld>
             <a:endParaRPr lang="ru-RU"/>
           </a:p>
@@ -3562,7 +3563,7 @@
           <a:p>
             <a:fld id="{86DFAFAE-96CA-4C93-825D-3533444A4126}" type="datetimeFigureOut">
               <a:rPr lang="ru-RU" smtClean="0"/>
-              <a:t>19.05.2015</a:t>
+              <a:t>02.06.2015</a:t>
             </a:fld>
             <a:endParaRPr lang="ru-RU"/>
           </a:p>
@@ -3859,7 +3860,7 @@
           <a:p>
             <a:fld id="{86DFAFAE-96CA-4C93-825D-3533444A4126}" type="datetimeFigureOut">
               <a:rPr lang="ru-RU" smtClean="0"/>
-              <a:t>19.05.2015</a:t>
+              <a:t>02.06.2015</a:t>
             </a:fld>
             <a:endParaRPr lang="ru-RU"/>
           </a:p>
@@ -4301,7 +4302,7 @@
           <a:p>
             <a:fld id="{86DFAFAE-96CA-4C93-825D-3533444A4126}" type="datetimeFigureOut">
               <a:rPr lang="ru-RU" smtClean="0"/>
-              <a:t>19.05.2015</a:t>
+              <a:t>02.06.2015</a:t>
             </a:fld>
             <a:endParaRPr lang="ru-RU"/>
           </a:p>
@@ -4419,7 +4420,7 @@
           <a:p>
             <a:fld id="{86DFAFAE-96CA-4C93-825D-3533444A4126}" type="datetimeFigureOut">
               <a:rPr lang="ru-RU" smtClean="0"/>
-              <a:t>19.05.2015</a:t>
+              <a:t>02.06.2015</a:t>
             </a:fld>
             <a:endParaRPr lang="ru-RU"/>
           </a:p>
@@ -4514,7 +4515,7 @@
           <a:p>
             <a:fld id="{86DFAFAE-96CA-4C93-825D-3533444A4126}" type="datetimeFigureOut">
               <a:rPr lang="ru-RU" smtClean="0"/>
-              <a:t>19.05.2015</a:t>
+              <a:t>02.06.2015</a:t>
             </a:fld>
             <a:endParaRPr lang="ru-RU"/>
           </a:p>
@@ -4797,7 +4798,7 @@
           <a:p>
             <a:fld id="{86DFAFAE-96CA-4C93-825D-3533444A4126}" type="datetimeFigureOut">
               <a:rPr lang="ru-RU" smtClean="0"/>
-              <a:t>19.05.2015</a:t>
+              <a:t>02.06.2015</a:t>
             </a:fld>
             <a:endParaRPr lang="ru-RU"/>
           </a:p>
@@ -5088,7 +5089,7 @@
           <a:p>
             <a:fld id="{86DFAFAE-96CA-4C93-825D-3533444A4126}" type="datetimeFigureOut">
               <a:rPr lang="ru-RU" smtClean="0"/>
-              <a:t>19.05.2015</a:t>
+              <a:t>02.06.2015</a:t>
             </a:fld>
             <a:endParaRPr lang="ru-RU"/>
           </a:p>
@@ -5618,7 +5619,7 @@
           <a:p>
             <a:fld id="{86DFAFAE-96CA-4C93-825D-3533444A4126}" type="datetimeFigureOut">
               <a:rPr lang="ru-RU" smtClean="0"/>
-              <a:t>19.05.2015</a:t>
+              <a:t>02.06.2015</a:t>
             </a:fld>
             <a:endParaRPr lang="ru-RU"/>
           </a:p>
@@ -6344,8 +6345,8 @@
         </p:nvSpPr>
         <p:spPr>
           <a:xfrm>
-            <a:off x="1484309" y="0"/>
-            <a:ext cx="10018713" cy="428625"/>
+            <a:off x="1583165" y="0"/>
+            <a:ext cx="10018713" cy="656968"/>
           </a:xfrm>
         </p:spPr>
         <p:txBody>
@@ -6356,7 +6357,7 @@
           <a:p>
             <a:r>
               <a:rPr lang="ru-RU" dirty="0" smtClean="0"/>
-              <a:t>Тестирование и отладка</a:t>
+              <a:t>Метрики</a:t>
             </a:r>
             <a:endParaRPr lang="ru-RU" dirty="0"/>
           </a:p>
@@ -6374,62 +6375,150 @@
         </p:nvSpPr>
         <p:spPr>
           <a:xfrm>
-            <a:off x="1484309" y="1733549"/>
-            <a:ext cx="10018713" cy="3124201"/>
-          </a:xfrm>
-        </p:spPr>
-        <p:txBody>
-          <a:bodyPr/>
-          <a:lstStyle/>
-          <a:p>
-            <a:pPr marL="0" indent="0">
-              <a:buNone/>
+            <a:off x="2569464" y="656968"/>
+            <a:ext cx="8046114" cy="1935892"/>
+          </a:xfrm>
+        </p:spPr>
+        <p:txBody>
+          <a:bodyPr>
+            <a:normAutofit lnSpcReduction="10000"/>
+          </a:bodyPr>
+          <a:lstStyle/>
+          <a:p>
+            <a:r>
+              <a:rPr lang="ru-RU" dirty="0" smtClean="0"/>
+              <a:t>Модель ошибок по ДСК: 35 строк программного кода</a:t>
+            </a:r>
+          </a:p>
+          <a:p>
+            <a:r>
+              <a:rPr lang="ru-RU" dirty="0" smtClean="0"/>
+              <a:t>Модель ошибок по ОПП: 37 строк программного кода</a:t>
+            </a:r>
+          </a:p>
+          <a:p>
+            <a:r>
+              <a:rPr lang="ru-RU" dirty="0" smtClean="0"/>
+              <a:t>Протоколы: 150 строк программного кода</a:t>
+            </a:r>
+          </a:p>
+          <a:p>
+            <a:r>
+              <a:rPr lang="ru-RU" dirty="0" smtClean="0"/>
+              <a:t>Вспомогательные функции: 70 строк программного кода</a:t>
+            </a:r>
+            <a:endParaRPr lang="ru-RU" dirty="0"/>
+          </a:p>
+        </p:txBody>
+      </p:sp>
+      <p:pic>
+        <p:nvPicPr>
+          <p:cNvPr id="7" name="Рисунок 6"/>
+          <p:cNvPicPr>
+            <a:picLocks noChangeAspect="1"/>
+          </p:cNvPicPr>
+          <p:nvPr/>
+        </p:nvPicPr>
+        <p:blipFill>
+          <a:blip r:embed="rId2"/>
+          <a:stretch>
+            <a:fillRect/>
+          </a:stretch>
+        </p:blipFill>
+        <p:spPr>
+          <a:xfrm>
+            <a:off x="5715000" y="2592861"/>
+            <a:ext cx="6476999" cy="4265140"/>
+          </a:xfrm>
+          <a:prstGeom prst="rect">
+            <a:avLst/>
+          </a:prstGeom>
+        </p:spPr>
+      </p:pic>
+      <p:sp>
+        <p:nvSpPr>
+          <p:cNvPr id="8" name="TextBox 7"/>
+          <p:cNvSpPr txBox="1"/>
+          <p:nvPr/>
+        </p:nvSpPr>
+        <p:spPr>
+          <a:xfrm>
+            <a:off x="1162051" y="2771775"/>
+            <a:ext cx="4552950" cy="3139321"/>
+          </a:xfrm>
+          <a:prstGeom prst="rect">
+            <a:avLst/>
+          </a:prstGeom>
+          <a:noFill/>
+        </p:spPr>
+        <p:txBody>
+          <a:bodyPr wrap="square" rtlCol="0">
+            <a:spAutoFit/>
+          </a:bodyPr>
+          <a:lstStyle/>
+          <a:p>
+            <a:r>
+              <a:rPr lang="ru-RU" dirty="0" smtClean="0"/>
+              <a:t>Руководство по использованию программы</a:t>
+            </a:r>
+            <a:r>
+              <a:rPr lang="en-US" dirty="0" smtClean="0"/>
+              <a:t>:</a:t>
+            </a:r>
+            <a:endParaRPr lang="ru-RU" dirty="0" smtClean="0"/>
+          </a:p>
+          <a:p>
+            <a:pPr marL="342900" indent="-342900">
+              <a:buAutoNum type="arabicParenR"/>
             </a:pPr>
             <a:r>
               <a:rPr lang="ru-RU" dirty="0" smtClean="0"/>
-              <a:t>Для тестирования и отладки использовались следующие инструменты: </a:t>
-            </a:r>
-            <a:r>
-              <a:rPr lang="en-US" dirty="0" smtClean="0"/>
-              <a:t>GDB, </a:t>
-            </a:r>
+              <a:t>Выбрать тип моделируемого протокола передачи данных</a:t>
+            </a:r>
+          </a:p>
+          <a:p>
+            <a:pPr marL="342900" indent="-342900">
+              <a:buAutoNum type="arabicParenR"/>
+            </a:pPr>
             <a:r>
               <a:rPr lang="ru-RU" dirty="0" smtClean="0"/>
-              <a:t>встроенные средства тестирования </a:t>
-            </a:r>
-            <a:r>
-              <a:rPr lang="en-US" dirty="0" smtClean="0"/>
-              <a:t>IDE CLION, Unit </a:t>
-            </a:r>
+              <a:t>Выбрать тип модели потока ошибок</a:t>
+            </a:r>
+          </a:p>
+          <a:p>
+            <a:pPr marL="342900" indent="-342900">
+              <a:buAutoNum type="arabicParenR"/>
+            </a:pPr>
             <a:r>
               <a:rPr lang="ru-RU" dirty="0" smtClean="0"/>
-              <a:t>тесты классов и </a:t>
-            </a:r>
-            <a:r>
-              <a:rPr lang="en-US" dirty="0" err="1" smtClean="0"/>
-              <a:t>api</a:t>
-            </a:r>
-            <a:r>
-              <a:rPr lang="en-US" dirty="0" smtClean="0"/>
-              <a:t> </a:t>
-            </a:r>
+              <a:t>Установить размер потока данных, размер блоков, размер пакета</a:t>
+            </a:r>
+          </a:p>
+          <a:p>
+            <a:pPr marL="342900" indent="-342900">
+              <a:buAutoNum type="arabicParenR"/>
+            </a:pPr>
             <a:r>
               <a:rPr lang="ru-RU" dirty="0" smtClean="0"/>
-              <a:t>этих классов. Проект оттестирован на самых простых и типовых сценариях поведения канала.</a:t>
-            </a:r>
-          </a:p>
-          <a:p>
-            <a:pPr marL="0" indent="0">
-              <a:buNone/>
+              <a:t>Установить параметры модели потока ошибок</a:t>
+            </a:r>
+          </a:p>
+          <a:p>
+            <a:pPr marL="342900" indent="-342900">
+              <a:buAutoNum type="arabicParenR"/>
             </a:pPr>
-            <a:endParaRPr lang="ru-RU" dirty="0"/>
+            <a:r>
+              <a:rPr lang="ru-RU" dirty="0" smtClean="0"/>
+              <a:t>Установить параметры кода для моделирования</a:t>
+            </a:r>
+            <a:endParaRPr lang="en-US" dirty="0" smtClean="0"/>
           </a:p>
         </p:txBody>
       </p:sp>
     </p:spTree>
     <p:extLst>
       <p:ext uri="{BB962C8B-B14F-4D97-AF65-F5344CB8AC3E}">
-        <p14:creationId xmlns:p14="http://schemas.microsoft.com/office/powerpoint/2010/main" val="149776331"/>
+        <p14:creationId xmlns:p14="http://schemas.microsoft.com/office/powerpoint/2010/main" val="3271579981"/>
       </p:ext>
     </p:extLst>
   </p:cSld>
@@ -6636,11 +6725,7 @@
           <a:p>
             <a:r>
               <a:rPr lang="ru-RU" dirty="0" smtClean="0"/>
-              <a:t>Устранение проблем алгоритмов генерации </a:t>
-            </a:r>
-            <a:r>
-              <a:rPr lang="ru-RU" dirty="0" smtClean="0"/>
-              <a:t>крипто</a:t>
+              <a:t>Устранение проблем алгоритмов генерации крипто</a:t>
             </a:r>
             <a:r>
               <a:rPr lang="en-US" dirty="0" smtClean="0"/>
@@ -6648,28 +6733,15 @@
             </a:r>
             <a:r>
               <a:rPr lang="ru-RU" dirty="0" smtClean="0"/>
-              <a:t>блоков </a:t>
-            </a:r>
+              <a:t>блоков и пакетов </a:t>
+            </a:r>
+            <a:endParaRPr lang="en-US" dirty="0" smtClean="0"/>
+          </a:p>
+          <a:p>
             <a:r>
               <a:rPr lang="ru-RU" dirty="0" smtClean="0"/>
-              <a:t>и пакетов </a:t>
-            </a:r>
-            <a:endParaRPr lang="en-US" dirty="0" smtClean="0"/>
-          </a:p>
-          <a:p>
-            <a:r>
-              <a:rPr lang="ru-RU" dirty="0" smtClean="0"/>
-              <a:t>Графический </a:t>
-            </a:r>
-            <a:r>
-              <a:rPr lang="ru-RU" dirty="0" smtClean="0"/>
-              <a:t>интерфейс пользователя не был </a:t>
-            </a:r>
-            <a:r>
-              <a:rPr lang="ru-RU" dirty="0" smtClean="0"/>
-              <a:t>реализован</a:t>
-            </a:r>
-            <a:endParaRPr lang="ru-RU" dirty="0" smtClean="0"/>
+              <a:t>Графический интерфейс пользователя не был реализован</a:t>
+            </a:r>
           </a:p>
           <a:p>
             <a:endParaRPr lang="ru-RU" dirty="0"/>
@@ -6786,21 +6858,35 @@
           <a:p>
             <a:r>
               <a:rPr lang="ru-RU" dirty="0"/>
-              <a:t>Моделирование потока данных</a:t>
+              <a:t>Моделирование потока </a:t>
+            </a:r>
+            <a:r>
+              <a:rPr lang="ru-RU" dirty="0" smtClean="0"/>
+              <a:t>данных;</a:t>
             </a:r>
             <a:endParaRPr lang="en-US" dirty="0"/>
           </a:p>
           <a:p>
             <a:r>
               <a:rPr lang="ru-RU" dirty="0"/>
-              <a:t>Моделирование потока ошибок</a:t>
-            </a:r>
+              <a:t>Моделирование потока </a:t>
+            </a:r>
+            <a:r>
+              <a:rPr lang="ru-RU" dirty="0" smtClean="0"/>
+              <a:t>ошибок;</a:t>
+            </a:r>
+            <a:endParaRPr lang="ru-RU" dirty="0"/>
           </a:p>
           <a:p>
             <a:r>
               <a:rPr lang="ru-RU" dirty="0"/>
-              <a:t>Моделирования  кодирования и декодирования данных</a:t>
-            </a:r>
+              <a:t>Моделирования  кодирования и декодирования </a:t>
+            </a:r>
+            <a:r>
+              <a:rPr lang="ru-RU" dirty="0" smtClean="0"/>
+              <a:t>данных;</a:t>
+            </a:r>
+            <a:endParaRPr lang="ru-RU" dirty="0"/>
           </a:p>
           <a:p>
             <a:r>
@@ -6813,7 +6899,11 @@
             </a:r>
             <a:r>
               <a:rPr lang="ru-RU" dirty="0" smtClean="0"/>
-              <a:t>протоколов канального уровня.</a:t>
+              <a:t>протоколов канального </a:t>
+            </a:r>
+            <a:r>
+              <a:rPr lang="ru-RU" dirty="0" smtClean="0"/>
+              <a:t>уровня;</a:t>
             </a:r>
             <a:endParaRPr lang="ru-RU" dirty="0"/>
           </a:p>
@@ -6826,6 +6916,71 @@
     <p:extLst>
       <p:ext uri="{BB962C8B-B14F-4D97-AF65-F5344CB8AC3E}">
         <p14:creationId xmlns:p14="http://schemas.microsoft.com/office/powerpoint/2010/main" val="616259324"/>
+      </p:ext>
+    </p:extLst>
+  </p:cSld>
+  <p:clrMapOvr>
+    <a:masterClrMapping/>
+  </p:clrMapOvr>
+  <p:timing>
+    <p:tnLst>
+      <p:par>
+        <p:cTn id="1" dur="indefinite" restart="never" nodeType="tmRoot"/>
+      </p:par>
+    </p:tnLst>
+  </p:timing>
+</p:sld>
+</file>
+
+<file path=ppt/slides/slide14.xml><?xml version="1.0" encoding="utf-8"?>
+<p:sld xmlns:a="http://schemas.openxmlformats.org/drawingml/2006/main" xmlns:r="http://schemas.openxmlformats.org/officeDocument/2006/relationships" xmlns:p="http://schemas.openxmlformats.org/presentationml/2006/main">
+  <p:cSld>
+    <p:spTree>
+      <p:nvGrpSpPr>
+        <p:cNvPr id="1" name=""/>
+        <p:cNvGrpSpPr/>
+        <p:nvPr/>
+      </p:nvGrpSpPr>
+      <p:grpSpPr>
+        <a:xfrm>
+          <a:off x="0" y="0"/>
+          <a:ext cx="0" cy="0"/>
+          <a:chOff x="0" y="0"/>
+          <a:chExt cx="0" cy="0"/>
+        </a:xfrm>
+      </p:grpSpPr>
+      <p:sp>
+        <p:nvSpPr>
+          <p:cNvPr id="2" name="Заголовок 1"/>
+          <p:cNvSpPr>
+            <a:spLocks noGrp="1"/>
+          </p:cNvSpPr>
+          <p:nvPr>
+            <p:ph type="title"/>
+          </p:nvPr>
+        </p:nvSpPr>
+        <p:spPr>
+          <a:xfrm>
+            <a:off x="1240471" y="2103120"/>
+            <a:ext cx="10018713" cy="1752599"/>
+          </a:xfrm>
+        </p:spPr>
+        <p:txBody>
+          <a:bodyPr/>
+          <a:lstStyle/>
+          <a:p>
+            <a:r>
+              <a:rPr lang="ru-RU" dirty="0" smtClean="0"/>
+              <a:t>Спасибо за внимание!</a:t>
+            </a:r>
+            <a:endParaRPr lang="en-US" dirty="0"/>
+          </a:p>
+        </p:txBody>
+      </p:sp>
+    </p:spTree>
+    <p:extLst>
+      <p:ext uri="{BB962C8B-B14F-4D97-AF65-F5344CB8AC3E}">
+        <p14:creationId xmlns:p14="http://schemas.microsoft.com/office/powerpoint/2010/main" val="2239115360"/>
       </p:ext>
     </p:extLst>
   </p:cSld>
@@ -7102,7 +7257,9 @@
           </a:xfrm>
         </p:spPr>
         <p:txBody>
-          <a:bodyPr/>
+          <a:bodyPr>
+            <a:normAutofit fontScale="92500" lnSpcReduction="10000"/>
+          </a:bodyPr>
           <a:lstStyle/>
           <a:p>
             <a:pPr marL="0" indent="0">
@@ -7120,26 +7277,50 @@
           <a:p>
             <a:r>
               <a:rPr lang="ru-RU" dirty="0" smtClean="0"/>
-              <a:t>Моделирование потока данных</a:t>
+              <a:t>Моделирование потока </a:t>
+            </a:r>
+            <a:r>
+              <a:rPr lang="ru-RU" dirty="0" smtClean="0"/>
+              <a:t>данных;</a:t>
             </a:r>
             <a:endParaRPr lang="en-US" dirty="0" smtClean="0"/>
           </a:p>
           <a:p>
             <a:r>
               <a:rPr lang="ru-RU" dirty="0" smtClean="0"/>
-              <a:t>Моделирование потока ошибок</a:t>
-            </a:r>
-          </a:p>
-          <a:p>
+              <a:t>Моделирование потока </a:t>
+            </a:r>
             <a:r>
               <a:rPr lang="ru-RU" dirty="0" smtClean="0"/>
-              <a:t>Моделирования  кодирования и декодирования данных</a:t>
-            </a:r>
+              <a:t>ошибок;</a:t>
+            </a:r>
+            <a:endParaRPr lang="ru-RU" dirty="0" smtClean="0"/>
           </a:p>
           <a:p>
             <a:r>
               <a:rPr lang="ru-RU" dirty="0" smtClean="0"/>
-              <a:t>Разработка методики синтеза протоколов.</a:t>
+              <a:t>Моделирования  кодирования и декодирования </a:t>
+            </a:r>
+            <a:r>
+              <a:rPr lang="ru-RU" dirty="0" smtClean="0"/>
+              <a:t>данных;</a:t>
+            </a:r>
+            <a:endParaRPr lang="ru-RU" dirty="0" smtClean="0"/>
+          </a:p>
+          <a:p>
+            <a:r>
+              <a:rPr lang="ru-RU" dirty="0" smtClean="0"/>
+              <a:t>Разработка методики синтеза </a:t>
+            </a:r>
+            <a:r>
+              <a:rPr lang="ru-RU" dirty="0" smtClean="0"/>
+              <a:t>протоколов;</a:t>
+            </a:r>
+          </a:p>
+          <a:p>
+            <a:r>
+              <a:rPr lang="ru-RU" dirty="0" smtClean="0"/>
+              <a:t>Систему предоставления данных в удобном для анализа виде.</a:t>
             </a:r>
             <a:endParaRPr lang="ru-RU" dirty="0"/>
           </a:p>
@@ -7194,8 +7375,8 @@
         </p:nvSpPr>
         <p:spPr>
           <a:xfrm>
-            <a:off x="2641116" y="0"/>
-            <a:ext cx="8596668" cy="436605"/>
+            <a:off x="1484308" y="0"/>
+            <a:ext cx="10018713" cy="1173345"/>
           </a:xfrm>
         </p:spPr>
         <p:txBody>
@@ -7206,16 +7387,256 @@
           <a:p>
             <a:r>
               <a:rPr lang="ru-RU" dirty="0" smtClean="0"/>
-              <a:t>Алгоритмы</a:t>
+              <a:t>Используемый инструментарий и среда разработки ПО</a:t>
             </a:r>
             <a:endParaRPr lang="ru-RU" dirty="0"/>
+          </a:p>
+        </p:txBody>
+      </p:sp>
+      <p:pic>
+        <p:nvPicPr>
+          <p:cNvPr id="9" name="Рисунок 8"/>
+          <p:cNvPicPr>
+            <a:picLocks noChangeAspect="1"/>
+          </p:cNvPicPr>
+          <p:nvPr/>
+        </p:nvPicPr>
+        <p:blipFill>
+          <a:blip r:embed="rId2"/>
+          <a:stretch>
+            <a:fillRect/>
+          </a:stretch>
+        </p:blipFill>
+        <p:spPr>
+          <a:xfrm>
+            <a:off x="1484307" y="1173346"/>
+            <a:ext cx="3033946" cy="1818108"/>
+          </a:xfrm>
+          <a:prstGeom prst="rect">
+            <a:avLst/>
+          </a:prstGeom>
+        </p:spPr>
+      </p:pic>
+      <p:sp>
+        <p:nvSpPr>
+          <p:cNvPr id="12" name="TextBox 11"/>
+          <p:cNvSpPr txBox="1"/>
+          <p:nvPr/>
+        </p:nvSpPr>
+        <p:spPr>
+          <a:xfrm>
+            <a:off x="1408106" y="2980213"/>
+            <a:ext cx="3110147" cy="369332"/>
+          </a:xfrm>
+          <a:prstGeom prst="rect">
+            <a:avLst/>
+          </a:prstGeom>
+          <a:noFill/>
+        </p:spPr>
+        <p:txBody>
+          <a:bodyPr wrap="none" rtlCol="0">
+            <a:spAutoFit/>
+          </a:bodyPr>
+          <a:lstStyle/>
+          <a:p>
+            <a:r>
+              <a:rPr lang="ru-RU" dirty="0" smtClean="0"/>
+              <a:t>Язык программирования </a:t>
+            </a:r>
+            <a:r>
+              <a:rPr lang="en-US" b="1" dirty="0" smtClean="0"/>
+              <a:t>C++</a:t>
+            </a:r>
+            <a:endParaRPr lang="en-US" dirty="0"/>
+          </a:p>
+        </p:txBody>
+      </p:sp>
+      <p:pic>
+        <p:nvPicPr>
+          <p:cNvPr id="13" name="Рисунок 12"/>
+          <p:cNvPicPr>
+            <a:picLocks noChangeAspect="1"/>
+          </p:cNvPicPr>
+          <p:nvPr/>
+        </p:nvPicPr>
+        <p:blipFill>
+          <a:blip r:embed="rId3"/>
+          <a:stretch>
+            <a:fillRect/>
+          </a:stretch>
+        </p:blipFill>
+        <p:spPr>
+          <a:xfrm>
+            <a:off x="6537960" y="1173344"/>
+            <a:ext cx="4965062" cy="1806869"/>
+          </a:xfrm>
+          <a:prstGeom prst="rect">
+            <a:avLst/>
+          </a:prstGeom>
+        </p:spPr>
+      </p:pic>
+      <p:sp>
+        <p:nvSpPr>
+          <p:cNvPr id="14" name="TextBox 13"/>
+          <p:cNvSpPr txBox="1"/>
+          <p:nvPr/>
+        </p:nvSpPr>
+        <p:spPr>
+          <a:xfrm>
+            <a:off x="7104293" y="2991454"/>
+            <a:ext cx="3588226" cy="369332"/>
+          </a:xfrm>
+          <a:prstGeom prst="rect">
+            <a:avLst/>
+          </a:prstGeom>
+          <a:noFill/>
+        </p:spPr>
+        <p:txBody>
+          <a:bodyPr wrap="none" rtlCol="0">
+            <a:spAutoFit/>
+          </a:bodyPr>
+          <a:lstStyle/>
+          <a:p>
+            <a:r>
+              <a:rPr lang="ru-RU" dirty="0" smtClean="0"/>
+              <a:t>Среда разработки </a:t>
+            </a:r>
+            <a:r>
+              <a:rPr lang="en-US" b="1" dirty="0" err="1" smtClean="0"/>
+              <a:t>JetBrains</a:t>
+            </a:r>
+            <a:r>
+              <a:rPr lang="ru-RU" b="1" dirty="0" smtClean="0"/>
+              <a:t> </a:t>
+            </a:r>
+            <a:r>
+              <a:rPr lang="en-US" b="1" dirty="0" err="1" smtClean="0"/>
+              <a:t>CLion</a:t>
+            </a:r>
+            <a:endParaRPr lang="en-US" b="1" dirty="0"/>
+          </a:p>
+        </p:txBody>
+      </p:sp>
+      <p:pic>
+        <p:nvPicPr>
+          <p:cNvPr id="15" name="Рисунок 14"/>
+          <p:cNvPicPr>
+            <a:picLocks noChangeAspect="1"/>
+          </p:cNvPicPr>
+          <p:nvPr/>
+        </p:nvPicPr>
+        <p:blipFill>
+          <a:blip r:embed="rId4"/>
+          <a:stretch>
+            <a:fillRect/>
+          </a:stretch>
+        </p:blipFill>
+        <p:spPr>
+          <a:xfrm>
+            <a:off x="1484307" y="3406420"/>
+            <a:ext cx="3033946" cy="1843760"/>
+          </a:xfrm>
+          <a:prstGeom prst="rect">
+            <a:avLst/>
+          </a:prstGeom>
+        </p:spPr>
+      </p:pic>
+      <p:sp>
+        <p:nvSpPr>
+          <p:cNvPr id="16" name="TextBox 15"/>
+          <p:cNvSpPr txBox="1"/>
+          <p:nvPr/>
+        </p:nvSpPr>
+        <p:spPr>
+          <a:xfrm>
+            <a:off x="1484307" y="5295815"/>
+            <a:ext cx="2249142" cy="369332"/>
+          </a:xfrm>
+          <a:prstGeom prst="rect">
+            <a:avLst/>
+          </a:prstGeom>
+          <a:noFill/>
+        </p:spPr>
+        <p:txBody>
+          <a:bodyPr wrap="none" rtlCol="0">
+            <a:spAutoFit/>
+          </a:bodyPr>
+          <a:lstStyle/>
+          <a:p>
+            <a:r>
+              <a:rPr lang="ru-RU" dirty="0" smtClean="0"/>
+              <a:t>Библиотека </a:t>
+            </a:r>
+            <a:r>
+              <a:rPr lang="en-US" b="1" dirty="0" smtClean="0"/>
+              <a:t>OpenGL</a:t>
+            </a:r>
+            <a:endParaRPr lang="en-US" b="1" dirty="0"/>
+          </a:p>
+        </p:txBody>
+      </p:sp>
+      <p:pic>
+        <p:nvPicPr>
+          <p:cNvPr id="19" name="Рисунок 18"/>
+          <p:cNvPicPr>
+            <a:picLocks noChangeAspect="1"/>
+          </p:cNvPicPr>
+          <p:nvPr/>
+        </p:nvPicPr>
+        <p:blipFill>
+          <a:blip r:embed="rId5"/>
+          <a:stretch>
+            <a:fillRect/>
+          </a:stretch>
+        </p:blipFill>
+        <p:spPr>
+          <a:xfrm>
+            <a:off x="6537959" y="3406420"/>
+            <a:ext cx="4965061" cy="1843760"/>
+          </a:xfrm>
+          <a:prstGeom prst="rect">
+            <a:avLst/>
+          </a:prstGeom>
+        </p:spPr>
+      </p:pic>
+      <p:sp>
+        <p:nvSpPr>
+          <p:cNvPr id="20" name="TextBox 19"/>
+          <p:cNvSpPr txBox="1"/>
+          <p:nvPr/>
+        </p:nvSpPr>
+        <p:spPr>
+          <a:xfrm>
+            <a:off x="6537959" y="5295815"/>
+            <a:ext cx="4965061" cy="646331"/>
+          </a:xfrm>
+          <a:prstGeom prst="rect">
+            <a:avLst/>
+          </a:prstGeom>
+          <a:noFill/>
+        </p:spPr>
+        <p:txBody>
+          <a:bodyPr wrap="square" rtlCol="0">
+            <a:spAutoFit/>
+          </a:bodyPr>
+          <a:lstStyle/>
+          <a:p>
+            <a:r>
+              <a:rPr lang="ru-RU" dirty="0" smtClean="0"/>
+              <a:t>Система автоматизации сборки программного обеспечения </a:t>
+            </a:r>
+            <a:r>
+              <a:rPr lang="en-US" b="1" dirty="0" err="1" smtClean="0"/>
+              <a:t>CMake</a:t>
+            </a:r>
+            <a:endParaRPr lang="en-US" b="1" dirty="0"/>
           </a:p>
         </p:txBody>
       </p:sp>
     </p:spTree>
     <p:extLst>
       <p:ext uri="{BB962C8B-B14F-4D97-AF65-F5344CB8AC3E}">
-        <p14:creationId xmlns:p14="http://schemas.microsoft.com/office/powerpoint/2010/main" val="2016657472"/>
+        <p14:creationId xmlns:p14="http://schemas.microsoft.com/office/powerpoint/2010/main" val="149776331"/>
       </p:ext>
     </p:extLst>
   </p:cSld>
@@ -7261,8 +7682,8 @@
         </p:nvSpPr>
         <p:spPr>
           <a:xfrm>
-            <a:off x="1484311" y="0"/>
-            <a:ext cx="10018713" cy="566351"/>
+            <a:off x="2641116" y="0"/>
+            <a:ext cx="8596668" cy="436605"/>
           </a:xfrm>
         </p:spPr>
         <p:txBody>
@@ -7273,7 +7694,7 @@
           <a:p>
             <a:r>
               <a:rPr lang="ru-RU" dirty="0" smtClean="0"/>
-              <a:t>Структура программы на системном уровне</a:t>
+              <a:t>Алгоритмы</a:t>
             </a:r>
             <a:endParaRPr lang="ru-RU" dirty="0"/>
           </a:p>
@@ -7281,14 +7702,14 @@
       </p:sp>
       <p:sp>
         <p:nvSpPr>
-          <p:cNvPr id="5" name="Прямоугольник 4"/>
+          <p:cNvPr id="4" name="Прямоугольник 3"/>
           <p:cNvSpPr/>
           <p:nvPr/>
         </p:nvSpPr>
         <p:spPr>
           <a:xfrm>
-            <a:off x="4729035" y="1505243"/>
-            <a:ext cx="3529263" cy="777006"/>
+            <a:off x="3752850" y="1478280"/>
+            <a:ext cx="1379220" cy="883920"/>
           </a:xfrm>
           <a:prstGeom prst="rect">
             <a:avLst/>
@@ -7315,22 +7736,21 @@
             <a:pPr algn="ctr"/>
             <a:r>
               <a:rPr lang="ru-RU" dirty="0" smtClean="0"/>
-              <a:t>Разрабатываемый продукт</a:t>
-            </a:r>
-            <a:endParaRPr lang="ru-RU" dirty="0"/>
-          </a:p>
-        </p:txBody>
-      </p:sp>
-      <p:sp>
-        <p:nvSpPr>
-          <p:cNvPr id="6" name="Прямоугольник 5"/>
+              <a:t>Передатчик</a:t>
+            </a:r>
+          </a:p>
+        </p:txBody>
+      </p:sp>
+      <p:sp>
+        <p:nvSpPr>
+          <p:cNvPr id="5" name="Прямоугольник 4"/>
           <p:cNvSpPr/>
           <p:nvPr/>
         </p:nvSpPr>
         <p:spPr>
           <a:xfrm>
-            <a:off x="8258298" y="4032378"/>
-            <a:ext cx="2310241" cy="1190324"/>
+            <a:off x="5537835" y="1478280"/>
+            <a:ext cx="1493520" cy="883920"/>
           </a:xfrm>
           <a:prstGeom prst="rect">
             <a:avLst/>
@@ -7357,22 +7777,21 @@
             <a:pPr algn="ctr"/>
             <a:r>
               <a:rPr lang="ru-RU" dirty="0" smtClean="0"/>
-              <a:t>Тестирование и отладка</a:t>
-            </a:r>
-            <a:endParaRPr lang="ru-RU" dirty="0"/>
-          </a:p>
-        </p:txBody>
-      </p:sp>
-      <p:sp>
-        <p:nvSpPr>
-          <p:cNvPr id="7" name="Прямоугольник 6"/>
+              <a:t>Канал связи</a:t>
+            </a:r>
+          </a:p>
+        </p:txBody>
+      </p:sp>
+      <p:sp>
+        <p:nvSpPr>
+          <p:cNvPr id="6" name="Прямоугольник 5"/>
           <p:cNvSpPr/>
           <p:nvPr/>
         </p:nvSpPr>
         <p:spPr>
           <a:xfrm>
-            <a:off x="2387064" y="4032378"/>
-            <a:ext cx="2341971" cy="1190324"/>
+            <a:off x="7519987" y="1478280"/>
+            <a:ext cx="1584960" cy="883920"/>
           </a:xfrm>
           <a:prstGeom prst="rect">
             <a:avLst/>
@@ -7399,24 +7818,23 @@
             <a:pPr algn="ctr"/>
             <a:r>
               <a:rPr lang="ru-RU" dirty="0" smtClean="0"/>
-              <a:t>Требования и поставленные задачи к разрабатываемому продукту</a:t>
-            </a:r>
-            <a:endParaRPr lang="ru-RU" dirty="0"/>
-          </a:p>
-        </p:txBody>
-      </p:sp>
-      <p:sp>
-        <p:nvSpPr>
-          <p:cNvPr id="8" name="Двойная стрелка вверх/вниз 7"/>
+              <a:t>Приемник</a:t>
+            </a:r>
+          </a:p>
+        </p:txBody>
+      </p:sp>
+      <p:sp>
+        <p:nvSpPr>
+          <p:cNvPr id="9" name="Блок-схема: данные 8"/>
           <p:cNvSpPr/>
           <p:nvPr/>
         </p:nvSpPr>
         <p:spPr>
-          <a:xfrm rot="2565429">
-            <a:off x="3913787" y="2045930"/>
-            <a:ext cx="536995" cy="2168831"/>
-          </a:xfrm>
-          <a:prstGeom prst="upDownArrow">
+          <a:xfrm>
+            <a:off x="1280160" y="1478280"/>
+            <a:ext cx="2232660" cy="883920"/>
+          </a:xfrm>
+          <a:prstGeom prst="flowChartInputOutput">
             <a:avLst/>
           </a:prstGeom>
         </p:spPr>
@@ -7439,22 +7857,26 @@
           <a:lstStyle/>
           <a:p>
             <a:pPr algn="ctr"/>
-            <a:endParaRPr lang="ru-RU"/>
-          </a:p>
-        </p:txBody>
-      </p:sp>
-      <p:sp>
-        <p:nvSpPr>
-          <p:cNvPr id="9" name="Двойная стрелка вверх/вниз 8"/>
+            <a:r>
+              <a:rPr lang="ru-RU" dirty="0" smtClean="0"/>
+              <a:t>Исходные данные</a:t>
+            </a:r>
+            <a:endParaRPr lang="en-US" dirty="0"/>
+          </a:p>
+        </p:txBody>
+      </p:sp>
+      <p:sp>
+        <p:nvSpPr>
+          <p:cNvPr id="10" name="Блок-схема: данные 9"/>
           <p:cNvSpPr/>
           <p:nvPr/>
         </p:nvSpPr>
         <p:spPr>
-          <a:xfrm rot="19112014">
-            <a:off x="8528532" y="2055536"/>
-            <a:ext cx="536995" cy="2187088"/>
-          </a:xfrm>
-          <a:prstGeom prst="upDownArrow">
+          <a:xfrm>
+            <a:off x="9593579" y="1478280"/>
+            <a:ext cx="2011680" cy="883920"/>
+          </a:xfrm>
+          <a:prstGeom prst="flowChartInputOutput">
             <a:avLst/>
           </a:prstGeom>
         </p:spPr>
@@ -7477,14 +7899,489 @@
           <a:lstStyle/>
           <a:p>
             <a:pPr algn="ctr"/>
-            <a:endParaRPr lang="ru-RU"/>
+            <a:r>
+              <a:rPr lang="ru-RU" dirty="0" smtClean="0"/>
+              <a:t>Принятые данные</a:t>
+            </a:r>
+            <a:endParaRPr lang="en-US" dirty="0"/>
+          </a:p>
+        </p:txBody>
+      </p:sp>
+      <p:sp>
+        <p:nvSpPr>
+          <p:cNvPr id="11" name="Прямоугольник 10"/>
+          <p:cNvSpPr/>
+          <p:nvPr/>
+        </p:nvSpPr>
+        <p:spPr>
+          <a:xfrm>
+            <a:off x="5537835" y="3115448"/>
+            <a:ext cx="1493520" cy="883920"/>
+          </a:xfrm>
+          <a:prstGeom prst="rect">
+            <a:avLst/>
+          </a:prstGeom>
+        </p:spPr>
+        <p:style>
+          <a:lnRef idx="2">
+            <a:schemeClr val="dk1"/>
+          </a:lnRef>
+          <a:fillRef idx="1">
+            <a:schemeClr val="lt1"/>
+          </a:fillRef>
+          <a:effectRef idx="0">
+            <a:schemeClr val="dk1"/>
+          </a:effectRef>
+          <a:fontRef idx="minor">
+            <a:schemeClr val="dk1"/>
+          </a:fontRef>
+        </p:style>
+        <p:txBody>
+          <a:bodyPr rtlCol="0" anchor="ctr"/>
+          <a:lstStyle/>
+          <a:p>
+            <a:pPr algn="ctr"/>
+            <a:r>
+              <a:rPr lang="ru-RU" dirty="0" smtClean="0"/>
+              <a:t>Генератор ошибок</a:t>
+            </a:r>
+          </a:p>
+        </p:txBody>
+      </p:sp>
+      <p:cxnSp>
+        <p:nvCxnSpPr>
+          <p:cNvPr id="13" name="Прямая со стрелкой 12"/>
+          <p:cNvCxnSpPr>
+            <a:stCxn id="11" idx="0"/>
+            <a:endCxn id="5" idx="2"/>
+          </p:cNvCxnSpPr>
+          <p:nvPr/>
+        </p:nvCxnSpPr>
+        <p:spPr>
+          <a:xfrm flipV="1">
+            <a:off x="6284595" y="2362200"/>
+            <a:ext cx="0" cy="753248"/>
+          </a:xfrm>
+          <a:prstGeom prst="straightConnector1">
+            <a:avLst/>
+          </a:prstGeom>
+          <a:ln>
+            <a:tailEnd type="triangle"/>
+          </a:ln>
+        </p:spPr>
+        <p:style>
+          <a:lnRef idx="3">
+            <a:schemeClr val="dk1"/>
+          </a:lnRef>
+          <a:fillRef idx="0">
+            <a:schemeClr val="dk1"/>
+          </a:fillRef>
+          <a:effectRef idx="2">
+            <a:schemeClr val="dk1"/>
+          </a:effectRef>
+          <a:fontRef idx="minor">
+            <a:schemeClr val="tx1"/>
+          </a:fontRef>
+        </p:style>
+      </p:cxnSp>
+      <p:cxnSp>
+        <p:nvCxnSpPr>
+          <p:cNvPr id="15" name="Прямая со стрелкой 14"/>
+          <p:cNvCxnSpPr>
+            <a:stCxn id="9" idx="5"/>
+            <a:endCxn id="4" idx="1"/>
+          </p:cNvCxnSpPr>
+          <p:nvPr/>
+        </p:nvCxnSpPr>
+        <p:spPr>
+          <a:xfrm>
+            <a:off x="3289554" y="1920240"/>
+            <a:ext cx="463296" cy="0"/>
+          </a:xfrm>
+          <a:prstGeom prst="straightConnector1">
+            <a:avLst/>
+          </a:prstGeom>
+          <a:ln>
+            <a:tailEnd type="triangle"/>
+          </a:ln>
+        </p:spPr>
+        <p:style>
+          <a:lnRef idx="3">
+            <a:schemeClr val="dk1"/>
+          </a:lnRef>
+          <a:fillRef idx="0">
+            <a:schemeClr val="dk1"/>
+          </a:fillRef>
+          <a:effectRef idx="2">
+            <a:schemeClr val="dk1"/>
+          </a:effectRef>
+          <a:fontRef idx="minor">
+            <a:schemeClr val="tx1"/>
+          </a:fontRef>
+        </p:style>
+      </p:cxnSp>
+      <p:cxnSp>
+        <p:nvCxnSpPr>
+          <p:cNvPr id="17" name="Прямая со стрелкой 16"/>
+          <p:cNvCxnSpPr>
+            <a:stCxn id="4" idx="3"/>
+            <a:endCxn id="5" idx="1"/>
+          </p:cNvCxnSpPr>
+          <p:nvPr/>
+        </p:nvCxnSpPr>
+        <p:spPr>
+          <a:xfrm>
+            <a:off x="5132070" y="1920240"/>
+            <a:ext cx="405765" cy="0"/>
+          </a:xfrm>
+          <a:prstGeom prst="straightConnector1">
+            <a:avLst/>
+          </a:prstGeom>
+          <a:ln>
+            <a:tailEnd type="triangle"/>
+          </a:ln>
+        </p:spPr>
+        <p:style>
+          <a:lnRef idx="3">
+            <a:schemeClr val="dk1"/>
+          </a:lnRef>
+          <a:fillRef idx="0">
+            <a:schemeClr val="dk1"/>
+          </a:fillRef>
+          <a:effectRef idx="2">
+            <a:schemeClr val="dk1"/>
+          </a:effectRef>
+          <a:fontRef idx="minor">
+            <a:schemeClr val="tx1"/>
+          </a:fontRef>
+        </p:style>
+      </p:cxnSp>
+      <p:cxnSp>
+        <p:nvCxnSpPr>
+          <p:cNvPr id="19" name="Прямая со стрелкой 18"/>
+          <p:cNvCxnSpPr>
+            <a:stCxn id="5" idx="3"/>
+            <a:endCxn id="6" idx="1"/>
+          </p:cNvCxnSpPr>
+          <p:nvPr/>
+        </p:nvCxnSpPr>
+        <p:spPr>
+          <a:xfrm>
+            <a:off x="7031355" y="1920240"/>
+            <a:ext cx="488632" cy="0"/>
+          </a:xfrm>
+          <a:prstGeom prst="straightConnector1">
+            <a:avLst/>
+          </a:prstGeom>
+          <a:ln>
+            <a:tailEnd type="triangle"/>
+          </a:ln>
+        </p:spPr>
+        <p:style>
+          <a:lnRef idx="3">
+            <a:schemeClr val="dk1"/>
+          </a:lnRef>
+          <a:fillRef idx="0">
+            <a:schemeClr val="dk1"/>
+          </a:fillRef>
+          <a:effectRef idx="2">
+            <a:schemeClr val="dk1"/>
+          </a:effectRef>
+          <a:fontRef idx="minor">
+            <a:schemeClr val="tx1"/>
+          </a:fontRef>
+        </p:style>
+      </p:cxnSp>
+      <p:cxnSp>
+        <p:nvCxnSpPr>
+          <p:cNvPr id="21" name="Прямая со стрелкой 20"/>
+          <p:cNvCxnSpPr>
+            <a:stCxn id="6" idx="3"/>
+            <a:endCxn id="10" idx="2"/>
+          </p:cNvCxnSpPr>
+          <p:nvPr/>
+        </p:nvCxnSpPr>
+        <p:spPr>
+          <a:xfrm>
+            <a:off x="9104947" y="1920240"/>
+            <a:ext cx="689800" cy="0"/>
+          </a:xfrm>
+          <a:prstGeom prst="straightConnector1">
+            <a:avLst/>
+          </a:prstGeom>
+          <a:ln>
+            <a:tailEnd type="triangle"/>
+          </a:ln>
+        </p:spPr>
+        <p:style>
+          <a:lnRef idx="3">
+            <a:schemeClr val="dk1"/>
+          </a:lnRef>
+          <a:fillRef idx="0">
+            <a:schemeClr val="dk1"/>
+          </a:fillRef>
+          <a:effectRef idx="2">
+            <a:schemeClr val="dk1"/>
+          </a:effectRef>
+          <a:fontRef idx="minor">
+            <a:schemeClr val="tx1"/>
+          </a:fontRef>
+        </p:style>
+      </p:cxnSp>
+      <p:cxnSp>
+        <p:nvCxnSpPr>
+          <p:cNvPr id="23" name="Соединительная линия уступом 22"/>
+          <p:cNvCxnSpPr>
+            <a:stCxn id="6" idx="0"/>
+            <a:endCxn id="4" idx="0"/>
+          </p:cNvCxnSpPr>
+          <p:nvPr/>
+        </p:nvCxnSpPr>
+        <p:spPr>
+          <a:xfrm rot="16200000" flipV="1">
+            <a:off x="6377464" y="-456724"/>
+            <a:ext cx="12700" cy="3870007"/>
+          </a:xfrm>
+          <a:prstGeom prst="bentConnector3">
+            <a:avLst>
+              <a:gd name="adj1" fmla="val 1800000"/>
+            </a:avLst>
+          </a:prstGeom>
+          <a:ln>
+            <a:tailEnd type="triangle"/>
+          </a:ln>
+        </p:spPr>
+        <p:style>
+          <a:lnRef idx="2">
+            <a:schemeClr val="dk1"/>
+          </a:lnRef>
+          <a:fillRef idx="1">
+            <a:schemeClr val="lt1"/>
+          </a:fillRef>
+          <a:effectRef idx="0">
+            <a:schemeClr val="dk1"/>
+          </a:effectRef>
+          <a:fontRef idx="minor">
+            <a:schemeClr val="dk1"/>
+          </a:fontRef>
+        </p:style>
+      </p:cxnSp>
+      <p:sp>
+        <p:nvSpPr>
+          <p:cNvPr id="24" name="Прямоугольник 23"/>
+          <p:cNvSpPr/>
+          <p:nvPr/>
+        </p:nvSpPr>
+        <p:spPr>
+          <a:xfrm>
+            <a:off x="3752849" y="4596971"/>
+            <a:ext cx="1784986" cy="325549"/>
+          </a:xfrm>
+          <a:prstGeom prst="rect">
+            <a:avLst/>
+          </a:prstGeom>
+        </p:spPr>
+        <p:style>
+          <a:lnRef idx="2">
+            <a:schemeClr val="dk1"/>
+          </a:lnRef>
+          <a:fillRef idx="1">
+            <a:schemeClr val="lt1"/>
+          </a:fillRef>
+          <a:effectRef idx="0">
+            <a:schemeClr val="dk1"/>
+          </a:effectRef>
+          <a:fontRef idx="minor">
+            <a:schemeClr val="dk1"/>
+          </a:fontRef>
+        </p:style>
+        <p:txBody>
+          <a:bodyPr rtlCol="0" anchor="ctr"/>
+          <a:lstStyle/>
+          <a:p>
+            <a:pPr algn="ctr"/>
+            <a:r>
+              <a:rPr lang="ru-RU" dirty="0" smtClean="0"/>
+              <a:t>Модель ДСК</a:t>
+            </a:r>
+          </a:p>
+        </p:txBody>
+      </p:sp>
+      <p:sp>
+        <p:nvSpPr>
+          <p:cNvPr id="25" name="Прямоугольник 24"/>
+          <p:cNvSpPr/>
+          <p:nvPr/>
+        </p:nvSpPr>
+        <p:spPr>
+          <a:xfrm>
+            <a:off x="7319961" y="4596970"/>
+            <a:ext cx="1784986" cy="325549"/>
+          </a:xfrm>
+          <a:prstGeom prst="rect">
+            <a:avLst/>
+          </a:prstGeom>
+        </p:spPr>
+        <p:style>
+          <a:lnRef idx="2">
+            <a:schemeClr val="dk1"/>
+          </a:lnRef>
+          <a:fillRef idx="1">
+            <a:schemeClr val="lt1"/>
+          </a:fillRef>
+          <a:effectRef idx="0">
+            <a:schemeClr val="dk1"/>
+          </a:effectRef>
+          <a:fontRef idx="minor">
+            <a:schemeClr val="dk1"/>
+          </a:fontRef>
+        </p:style>
+        <p:txBody>
+          <a:bodyPr rtlCol="0" anchor="ctr"/>
+          <a:lstStyle/>
+          <a:p>
+            <a:pPr algn="ctr"/>
+            <a:r>
+              <a:rPr lang="ru-RU" dirty="0" smtClean="0"/>
+              <a:t>Модель ОПП</a:t>
+            </a:r>
+          </a:p>
+        </p:txBody>
+      </p:sp>
+      <p:cxnSp>
+        <p:nvCxnSpPr>
+          <p:cNvPr id="27" name="Прямая соединительная линия 26"/>
+          <p:cNvCxnSpPr>
+            <a:stCxn id="24" idx="0"/>
+            <a:endCxn id="11" idx="2"/>
+          </p:cNvCxnSpPr>
+          <p:nvPr/>
+        </p:nvCxnSpPr>
+        <p:spPr>
+          <a:xfrm flipV="1">
+            <a:off x="4645342" y="3999368"/>
+            <a:ext cx="1639253" cy="597603"/>
+          </a:xfrm>
+          <a:prstGeom prst="line">
+            <a:avLst/>
+          </a:prstGeom>
+        </p:spPr>
+        <p:style>
+          <a:lnRef idx="2">
+            <a:schemeClr val="dk1"/>
+          </a:lnRef>
+          <a:fillRef idx="1">
+            <a:schemeClr val="lt1"/>
+          </a:fillRef>
+          <a:effectRef idx="0">
+            <a:schemeClr val="dk1"/>
+          </a:effectRef>
+          <a:fontRef idx="minor">
+            <a:schemeClr val="dk1"/>
+          </a:fontRef>
+        </p:style>
+      </p:cxnSp>
+      <p:cxnSp>
+        <p:nvCxnSpPr>
+          <p:cNvPr id="29" name="Прямая соединительная линия 28"/>
+          <p:cNvCxnSpPr>
+            <a:stCxn id="25" idx="0"/>
+            <a:endCxn id="11" idx="2"/>
+          </p:cNvCxnSpPr>
+          <p:nvPr/>
+        </p:nvCxnSpPr>
+        <p:spPr>
+          <a:xfrm flipH="1" flipV="1">
+            <a:off x="6284595" y="3999368"/>
+            <a:ext cx="1927859" cy="597602"/>
+          </a:xfrm>
+          <a:prstGeom prst="line">
+            <a:avLst/>
+          </a:prstGeom>
+        </p:spPr>
+        <p:style>
+          <a:lnRef idx="2">
+            <a:schemeClr val="dk1"/>
+          </a:lnRef>
+          <a:fillRef idx="1">
+            <a:schemeClr val="lt1"/>
+          </a:fillRef>
+          <a:effectRef idx="0">
+            <a:schemeClr val="dk1"/>
+          </a:effectRef>
+          <a:fontRef idx="minor">
+            <a:schemeClr val="dk1"/>
+          </a:fontRef>
+        </p:style>
+      </p:cxnSp>
+      <p:sp>
+        <p:nvSpPr>
+          <p:cNvPr id="30" name="TextBox 29"/>
+          <p:cNvSpPr txBox="1"/>
+          <p:nvPr/>
+        </p:nvSpPr>
+        <p:spPr>
+          <a:xfrm>
+            <a:off x="5246370" y="944843"/>
+            <a:ext cx="2584747" cy="369332"/>
+          </a:xfrm>
+          <a:prstGeom prst="rect">
+            <a:avLst/>
+          </a:prstGeom>
+          <a:noFill/>
+        </p:spPr>
+        <p:txBody>
+          <a:bodyPr wrap="none" rtlCol="0">
+            <a:spAutoFit/>
+          </a:bodyPr>
+          <a:lstStyle/>
+          <a:p>
+            <a:r>
+              <a:rPr lang="ru-RU" dirty="0" smtClean="0"/>
+              <a:t>Подтверждение приема</a:t>
+            </a:r>
+            <a:endParaRPr lang="en-US" dirty="0"/>
+          </a:p>
+        </p:txBody>
+      </p:sp>
+      <p:sp>
+        <p:nvSpPr>
+          <p:cNvPr id="48" name="TextBox 47"/>
+          <p:cNvSpPr txBox="1"/>
+          <p:nvPr/>
+        </p:nvSpPr>
+        <p:spPr>
+          <a:xfrm>
+            <a:off x="3752849" y="5520121"/>
+            <a:ext cx="5594224" cy="369332"/>
+          </a:xfrm>
+          <a:prstGeom prst="rect">
+            <a:avLst/>
+          </a:prstGeom>
+          <a:noFill/>
+        </p:spPr>
+        <p:txBody>
+          <a:bodyPr wrap="none" rtlCol="0">
+            <a:spAutoFit/>
+          </a:bodyPr>
+          <a:lstStyle/>
+          <a:p>
+            <a:r>
+              <a:rPr lang="ru-RU" b="1" dirty="0" smtClean="0"/>
+              <a:t>Схема системы </a:t>
+            </a:r>
+            <a:r>
+              <a:rPr lang="ru-RU" dirty="0" smtClean="0"/>
+              <a:t>для моделирования передачи данных</a:t>
+            </a:r>
+            <a:endParaRPr lang="en-US" b="1" dirty="0"/>
           </a:p>
         </p:txBody>
       </p:sp>
     </p:spTree>
     <p:extLst>
       <p:ext uri="{BB962C8B-B14F-4D97-AF65-F5344CB8AC3E}">
-        <p14:creationId xmlns:p14="http://schemas.microsoft.com/office/powerpoint/2010/main" val="292334619"/>
+        <p14:creationId xmlns:p14="http://schemas.microsoft.com/office/powerpoint/2010/main" val="2016657472"/>
       </p:ext>
     </p:extLst>
   </p:cSld>
@@ -7531,7 +8428,7 @@
         <p:spPr>
           <a:xfrm>
             <a:off x="1484311" y="0"/>
-            <a:ext cx="10018713" cy="648729"/>
+            <a:ext cx="10018713" cy="566351"/>
           </a:xfrm>
         </p:spPr>
         <p:txBody>
@@ -7542,7 +8439,7 @@
           <a:p>
             <a:r>
               <a:rPr lang="ru-RU" dirty="0" smtClean="0"/>
-              <a:t>Архитектурный уровень программы</a:t>
+              <a:t>Структура программы на системном уровне</a:t>
             </a:r>
             <a:endParaRPr lang="ru-RU" dirty="0"/>
           </a:p>
@@ -7550,14 +8447,14 @@
       </p:sp>
       <p:sp>
         <p:nvSpPr>
-          <p:cNvPr id="3" name="Прямоугольник 2"/>
+          <p:cNvPr id="5" name="Прямоугольник 4"/>
           <p:cNvSpPr/>
           <p:nvPr/>
         </p:nvSpPr>
         <p:spPr>
           <a:xfrm>
-            <a:off x="1519310" y="1026942"/>
-            <a:ext cx="1575582" cy="4754880"/>
+            <a:off x="4729035" y="1505243"/>
+            <a:ext cx="3529263" cy="777006"/>
           </a:xfrm>
           <a:prstGeom prst="rect">
             <a:avLst/>
@@ -7584,7 +8481,7 @@
             <a:pPr algn="ctr"/>
             <a:r>
               <a:rPr lang="ru-RU" dirty="0" smtClean="0"/>
-              <a:t>Пользователь</a:t>
+              <a:t>Разрабатываемый продукт</a:t>
             </a:r>
             <a:endParaRPr lang="ru-RU" dirty="0"/>
           </a:p>
@@ -7592,14 +8489,14 @@
       </p:sp>
       <p:sp>
         <p:nvSpPr>
-          <p:cNvPr id="4" name="Прямоугольник 3"/>
+          <p:cNvPr id="6" name="Прямоугольник 5"/>
           <p:cNvSpPr/>
           <p:nvPr/>
         </p:nvSpPr>
         <p:spPr>
           <a:xfrm>
-            <a:off x="5076091" y="1026942"/>
-            <a:ext cx="1957755" cy="4754880"/>
+            <a:off x="8258298" y="4032378"/>
+            <a:ext cx="2310241" cy="1190324"/>
           </a:xfrm>
           <a:prstGeom prst="rect">
             <a:avLst/>
@@ -7626,7 +8523,7 @@
             <a:pPr algn="ctr"/>
             <a:r>
               <a:rPr lang="ru-RU" dirty="0" smtClean="0"/>
-              <a:t>Интерфейс программы (графический или консольный)</a:t>
+              <a:t>Тестирование и отладка</a:t>
             </a:r>
             <a:endParaRPr lang="ru-RU" dirty="0"/>
           </a:p>
@@ -7634,14 +8531,14 @@
       </p:sp>
       <p:sp>
         <p:nvSpPr>
-          <p:cNvPr id="5" name="Прямоугольник 4"/>
+          <p:cNvPr id="7" name="Прямоугольник 6"/>
           <p:cNvSpPr/>
           <p:nvPr/>
         </p:nvSpPr>
         <p:spPr>
           <a:xfrm>
-            <a:off x="9015045" y="1026942"/>
-            <a:ext cx="1957755" cy="4754880"/>
+            <a:off x="2387064" y="4032378"/>
+            <a:ext cx="2341971" cy="1190324"/>
           </a:xfrm>
           <a:prstGeom prst="rect">
             <a:avLst/>
@@ -7668,7 +8565,7 @@
             <a:pPr algn="ctr"/>
             <a:r>
               <a:rPr lang="ru-RU" dirty="0" smtClean="0"/>
-              <a:t>Программа моделирования протокола связи</a:t>
+              <a:t>Требования и поставленные задачи к разрабатываемому продукту</a:t>
             </a:r>
             <a:endParaRPr lang="ru-RU" dirty="0"/>
           </a:p>
@@ -7676,33 +8573,31 @@
       </p:sp>
       <p:sp>
         <p:nvSpPr>
-          <p:cNvPr id="6" name="Стрелка вправо 5"/>
+          <p:cNvPr id="8" name="Двойная стрелка вверх/вниз 7"/>
           <p:cNvSpPr/>
           <p:nvPr/>
         </p:nvSpPr>
         <p:spPr>
-          <a:xfrm>
-            <a:off x="3094892" y="1982804"/>
-            <a:ext cx="1981199" cy="336884"/>
-          </a:xfrm>
-          <a:prstGeom prst="rightArrow">
+          <a:xfrm rot="2565429">
+            <a:off x="3913787" y="2045930"/>
+            <a:ext cx="536995" cy="2168831"/>
+          </a:xfrm>
+          <a:prstGeom prst="upDownArrow">
             <a:avLst/>
           </a:prstGeom>
         </p:spPr>
         <p:style>
           <a:lnRef idx="2">
-            <a:schemeClr val="dk1">
-              <a:shade val="50000"/>
-            </a:schemeClr>
+            <a:schemeClr val="dk1"/>
           </a:lnRef>
           <a:fillRef idx="1">
-            <a:schemeClr val="dk1"/>
+            <a:schemeClr val="lt1"/>
           </a:fillRef>
           <a:effectRef idx="0">
             <a:schemeClr val="dk1"/>
           </a:effectRef>
           <a:fontRef idx="minor">
-            <a:schemeClr val="lt1"/>
+            <a:schemeClr val="dk1"/>
           </a:fontRef>
         </p:style>
         <p:txBody>
@@ -7716,33 +8611,31 @@
       </p:sp>
       <p:sp>
         <p:nvSpPr>
-          <p:cNvPr id="7" name="Стрелка вправо 6"/>
+          <p:cNvPr id="9" name="Двойная стрелка вверх/вниз 8"/>
           <p:cNvSpPr/>
           <p:nvPr/>
         </p:nvSpPr>
         <p:spPr>
-          <a:xfrm>
-            <a:off x="7057290" y="1982804"/>
-            <a:ext cx="1957755" cy="336884"/>
-          </a:xfrm>
-          <a:prstGeom prst="rightArrow">
+          <a:xfrm rot="19112014">
+            <a:off x="8528532" y="2055536"/>
+            <a:ext cx="536995" cy="2187088"/>
+          </a:xfrm>
+          <a:prstGeom prst="upDownArrow">
             <a:avLst/>
           </a:prstGeom>
         </p:spPr>
         <p:style>
           <a:lnRef idx="2">
-            <a:schemeClr val="dk1">
-              <a:shade val="50000"/>
-            </a:schemeClr>
+            <a:schemeClr val="dk1"/>
           </a:lnRef>
           <a:fillRef idx="1">
-            <a:schemeClr val="dk1"/>
+            <a:schemeClr val="lt1"/>
           </a:fillRef>
           <a:effectRef idx="0">
             <a:schemeClr val="dk1"/>
           </a:effectRef>
           <a:fontRef idx="minor">
-            <a:schemeClr val="lt1"/>
+            <a:schemeClr val="dk1"/>
           </a:fontRef>
         </p:style>
         <p:txBody>
@@ -7751,213 +8644,13 @@
           <a:p>
             <a:pPr algn="ctr"/>
             <a:endParaRPr lang="ru-RU"/>
-          </a:p>
-        </p:txBody>
-      </p:sp>
-      <p:sp>
-        <p:nvSpPr>
-          <p:cNvPr id="8" name="TextBox 7"/>
-          <p:cNvSpPr txBox="1"/>
-          <p:nvPr/>
-        </p:nvSpPr>
-        <p:spPr>
-          <a:xfrm>
-            <a:off x="3094893" y="1613472"/>
-            <a:ext cx="1736990" cy="415498"/>
-          </a:xfrm>
-          <a:prstGeom prst="rect">
-            <a:avLst/>
-          </a:prstGeom>
-          <a:noFill/>
-        </p:spPr>
-        <p:txBody>
-          <a:bodyPr wrap="square" rtlCol="0">
-            <a:spAutoFit/>
-          </a:bodyPr>
-          <a:lstStyle/>
-          <a:p>
-            <a:r>
-              <a:rPr lang="ru-RU" sz="1050" dirty="0" smtClean="0"/>
-              <a:t>Условия пользовательской задачи</a:t>
-            </a:r>
-            <a:endParaRPr lang="ru-RU" sz="1050" dirty="0"/>
-          </a:p>
-        </p:txBody>
-      </p:sp>
-      <p:sp>
-        <p:nvSpPr>
-          <p:cNvPr id="10" name="TextBox 9"/>
-          <p:cNvSpPr txBox="1"/>
-          <p:nvPr/>
-        </p:nvSpPr>
-        <p:spPr>
-          <a:xfrm>
-            <a:off x="7057290" y="1613472"/>
-            <a:ext cx="1736990" cy="415498"/>
-          </a:xfrm>
-          <a:prstGeom prst="rect">
-            <a:avLst/>
-          </a:prstGeom>
-          <a:noFill/>
-        </p:spPr>
-        <p:txBody>
-          <a:bodyPr wrap="square" rtlCol="0">
-            <a:spAutoFit/>
-          </a:bodyPr>
-          <a:lstStyle/>
-          <a:p>
-            <a:r>
-              <a:rPr lang="ru-RU" sz="1050" dirty="0" smtClean="0"/>
-              <a:t>Условия пользовательской задачи</a:t>
-            </a:r>
-            <a:endParaRPr lang="ru-RU" sz="1050" dirty="0"/>
-          </a:p>
-        </p:txBody>
-      </p:sp>
-      <p:sp>
-        <p:nvSpPr>
-          <p:cNvPr id="11" name="Стрелка влево 10"/>
-          <p:cNvSpPr/>
-          <p:nvPr/>
-        </p:nvSpPr>
-        <p:spPr>
-          <a:xfrm>
-            <a:off x="7057290" y="4533499"/>
-            <a:ext cx="1957755" cy="375385"/>
-          </a:xfrm>
-          <a:prstGeom prst="leftArrow">
-            <a:avLst/>
-          </a:prstGeom>
-        </p:spPr>
-        <p:style>
-          <a:lnRef idx="2">
-            <a:schemeClr val="dk1">
-              <a:shade val="50000"/>
-            </a:schemeClr>
-          </a:lnRef>
-          <a:fillRef idx="1">
-            <a:schemeClr val="dk1"/>
-          </a:fillRef>
-          <a:effectRef idx="0">
-            <a:schemeClr val="dk1"/>
-          </a:effectRef>
-          <a:fontRef idx="minor">
-            <a:schemeClr val="lt1"/>
-          </a:fontRef>
-        </p:style>
-        <p:txBody>
-          <a:bodyPr rtlCol="0" anchor="ctr"/>
-          <a:lstStyle/>
-          <a:p>
-            <a:pPr algn="ctr"/>
-            <a:endParaRPr lang="ru-RU"/>
-          </a:p>
-        </p:txBody>
-      </p:sp>
-      <p:sp>
-        <p:nvSpPr>
-          <p:cNvPr id="12" name="Стрелка влево 11"/>
-          <p:cNvSpPr/>
-          <p:nvPr/>
-        </p:nvSpPr>
-        <p:spPr>
-          <a:xfrm>
-            <a:off x="3094892" y="4533498"/>
-            <a:ext cx="1957755" cy="375385"/>
-          </a:xfrm>
-          <a:prstGeom prst="leftArrow">
-            <a:avLst/>
-          </a:prstGeom>
-        </p:spPr>
-        <p:style>
-          <a:lnRef idx="2">
-            <a:schemeClr val="dk1">
-              <a:shade val="50000"/>
-            </a:schemeClr>
-          </a:lnRef>
-          <a:fillRef idx="1">
-            <a:schemeClr val="dk1"/>
-          </a:fillRef>
-          <a:effectRef idx="0">
-            <a:schemeClr val="dk1"/>
-          </a:effectRef>
-          <a:fontRef idx="minor">
-            <a:schemeClr val="lt1"/>
-          </a:fontRef>
-        </p:style>
-        <p:txBody>
-          <a:bodyPr rtlCol="0" anchor="ctr"/>
-          <a:lstStyle/>
-          <a:p>
-            <a:pPr algn="ctr"/>
-            <a:endParaRPr lang="ru-RU"/>
-          </a:p>
-        </p:txBody>
-      </p:sp>
-      <p:sp>
-        <p:nvSpPr>
-          <p:cNvPr id="13" name="TextBox 12"/>
-          <p:cNvSpPr txBox="1"/>
-          <p:nvPr/>
-        </p:nvSpPr>
-        <p:spPr>
-          <a:xfrm>
-            <a:off x="7254611" y="4242781"/>
-            <a:ext cx="1736990" cy="415498"/>
-          </a:xfrm>
-          <a:prstGeom prst="rect">
-            <a:avLst/>
-          </a:prstGeom>
-          <a:noFill/>
-        </p:spPr>
-        <p:txBody>
-          <a:bodyPr wrap="square" rtlCol="0">
-            <a:spAutoFit/>
-          </a:bodyPr>
-          <a:lstStyle/>
-          <a:p>
-            <a:r>
-              <a:rPr lang="ru-RU" sz="1050" dirty="0" smtClean="0"/>
-              <a:t>Результаты работы программы</a:t>
-            </a:r>
-            <a:endParaRPr lang="ru-RU" sz="1050" dirty="0"/>
-          </a:p>
-        </p:txBody>
-      </p:sp>
-      <p:sp>
-        <p:nvSpPr>
-          <p:cNvPr id="14" name="TextBox 13"/>
-          <p:cNvSpPr txBox="1"/>
-          <p:nvPr/>
-        </p:nvSpPr>
-        <p:spPr>
-          <a:xfrm>
-            <a:off x="3292213" y="4242780"/>
-            <a:ext cx="1736990" cy="253916"/>
-          </a:xfrm>
-          <a:prstGeom prst="rect">
-            <a:avLst/>
-          </a:prstGeom>
-          <a:noFill/>
-        </p:spPr>
-        <p:txBody>
-          <a:bodyPr wrap="square" rtlCol="0">
-            <a:spAutoFit/>
-          </a:bodyPr>
-          <a:lstStyle/>
-          <a:p>
-            <a:r>
-              <a:rPr lang="ru-RU" sz="1050" dirty="0" smtClean="0"/>
-              <a:t>Данные для анализа</a:t>
-            </a:r>
-            <a:endParaRPr lang="ru-RU" sz="1050" dirty="0"/>
           </a:p>
         </p:txBody>
       </p:sp>
     </p:spTree>
     <p:extLst>
       <p:ext uri="{BB962C8B-B14F-4D97-AF65-F5344CB8AC3E}">
-        <p14:creationId xmlns:p14="http://schemas.microsoft.com/office/powerpoint/2010/main" val="1207087769"/>
+        <p14:creationId xmlns:p14="http://schemas.microsoft.com/office/powerpoint/2010/main" val="292334619"/>
       </p:ext>
     </p:extLst>
   </p:cSld>
@@ -8004,7 +8697,7 @@
         <p:spPr>
           <a:xfrm>
             <a:off x="1484311" y="0"/>
-            <a:ext cx="10018713" cy="648730"/>
+            <a:ext cx="10018713" cy="648729"/>
           </a:xfrm>
         </p:spPr>
         <p:txBody>
@@ -8015,7 +8708,7 @@
           <a:p>
             <a:r>
               <a:rPr lang="ru-RU" dirty="0" smtClean="0"/>
-              <a:t>Программная реализация</a:t>
+              <a:t>Архитектурный уровень программы</a:t>
             </a:r>
             <a:endParaRPr lang="ru-RU" dirty="0"/>
           </a:p>
@@ -8023,38 +8716,156 @@
       </p:sp>
       <p:sp>
         <p:nvSpPr>
-          <p:cNvPr id="4" name="Блок-схема: процесс 3"/>
+          <p:cNvPr id="3" name="Прямоугольник 2"/>
           <p:cNvSpPr/>
           <p:nvPr/>
         </p:nvSpPr>
         <p:spPr>
           <a:xfrm>
-            <a:off x="4868561" y="611933"/>
-            <a:ext cx="2471353" cy="524889"/>
-          </a:xfrm>
-          <a:prstGeom prst="flowChartProcess">
+            <a:off x="1519310" y="1026942"/>
+            <a:ext cx="1575582" cy="4754880"/>
+          </a:xfrm>
+          <a:prstGeom prst="rect">
             <a:avLst/>
           </a:prstGeom>
-          <a:solidFill>
-            <a:schemeClr val="bg1"/>
-          </a:solidFill>
-          <a:ln>
-            <a:solidFill>
-              <a:schemeClr val="tx1"/>
-            </a:solidFill>
-          </a:ln>
         </p:spPr>
         <p:style>
           <a:lnRef idx="2">
-            <a:schemeClr val="accent1">
+            <a:schemeClr val="dk1"/>
+          </a:lnRef>
+          <a:fillRef idx="1">
+            <a:schemeClr val="lt1"/>
+          </a:fillRef>
+          <a:effectRef idx="0">
+            <a:schemeClr val="dk1"/>
+          </a:effectRef>
+          <a:fontRef idx="minor">
+            <a:schemeClr val="dk1"/>
+          </a:fontRef>
+        </p:style>
+        <p:txBody>
+          <a:bodyPr rtlCol="0" anchor="ctr"/>
+          <a:lstStyle/>
+          <a:p>
+            <a:pPr algn="ctr"/>
+            <a:r>
+              <a:rPr lang="ru-RU" dirty="0" smtClean="0"/>
+              <a:t>Пользователь</a:t>
+            </a:r>
+            <a:endParaRPr lang="ru-RU" dirty="0"/>
+          </a:p>
+        </p:txBody>
+      </p:sp>
+      <p:sp>
+        <p:nvSpPr>
+          <p:cNvPr id="4" name="Прямоугольник 3"/>
+          <p:cNvSpPr/>
+          <p:nvPr/>
+        </p:nvSpPr>
+        <p:spPr>
+          <a:xfrm>
+            <a:off x="5076091" y="1026942"/>
+            <a:ext cx="1957755" cy="4754880"/>
+          </a:xfrm>
+          <a:prstGeom prst="rect">
+            <a:avLst/>
+          </a:prstGeom>
+        </p:spPr>
+        <p:style>
+          <a:lnRef idx="2">
+            <a:schemeClr val="dk1"/>
+          </a:lnRef>
+          <a:fillRef idx="1">
+            <a:schemeClr val="lt1"/>
+          </a:fillRef>
+          <a:effectRef idx="0">
+            <a:schemeClr val="dk1"/>
+          </a:effectRef>
+          <a:fontRef idx="minor">
+            <a:schemeClr val="dk1"/>
+          </a:fontRef>
+        </p:style>
+        <p:txBody>
+          <a:bodyPr rtlCol="0" anchor="ctr"/>
+          <a:lstStyle/>
+          <a:p>
+            <a:pPr algn="ctr"/>
+            <a:r>
+              <a:rPr lang="ru-RU" dirty="0" smtClean="0"/>
+              <a:t>Интерфейс программы (графический или консольный)</a:t>
+            </a:r>
+            <a:endParaRPr lang="ru-RU" dirty="0"/>
+          </a:p>
+        </p:txBody>
+      </p:sp>
+      <p:sp>
+        <p:nvSpPr>
+          <p:cNvPr id="5" name="Прямоугольник 4"/>
+          <p:cNvSpPr/>
+          <p:nvPr/>
+        </p:nvSpPr>
+        <p:spPr>
+          <a:xfrm>
+            <a:off x="9015045" y="1026942"/>
+            <a:ext cx="1957755" cy="4754880"/>
+          </a:xfrm>
+          <a:prstGeom prst="rect">
+            <a:avLst/>
+          </a:prstGeom>
+        </p:spPr>
+        <p:style>
+          <a:lnRef idx="2">
+            <a:schemeClr val="dk1"/>
+          </a:lnRef>
+          <a:fillRef idx="1">
+            <a:schemeClr val="lt1"/>
+          </a:fillRef>
+          <a:effectRef idx="0">
+            <a:schemeClr val="dk1"/>
+          </a:effectRef>
+          <a:fontRef idx="minor">
+            <a:schemeClr val="dk1"/>
+          </a:fontRef>
+        </p:style>
+        <p:txBody>
+          <a:bodyPr rtlCol="0" anchor="ctr"/>
+          <a:lstStyle/>
+          <a:p>
+            <a:pPr algn="ctr"/>
+            <a:r>
+              <a:rPr lang="ru-RU" dirty="0" smtClean="0"/>
+              <a:t>Программа моделирования протокола связи</a:t>
+            </a:r>
+            <a:endParaRPr lang="ru-RU" dirty="0"/>
+          </a:p>
+        </p:txBody>
+      </p:sp>
+      <p:sp>
+        <p:nvSpPr>
+          <p:cNvPr id="6" name="Стрелка вправо 5"/>
+          <p:cNvSpPr/>
+          <p:nvPr/>
+        </p:nvSpPr>
+        <p:spPr>
+          <a:xfrm>
+            <a:off x="3094892" y="1982804"/>
+            <a:ext cx="1981199" cy="336884"/>
+          </a:xfrm>
+          <a:prstGeom prst="rightArrow">
+            <a:avLst/>
+          </a:prstGeom>
+        </p:spPr>
+        <p:style>
+          <a:lnRef idx="2">
+            <a:schemeClr val="dk1">
               <a:shade val="50000"/>
             </a:schemeClr>
           </a:lnRef>
           <a:fillRef idx="1">
-            <a:schemeClr val="accent1"/>
+            <a:schemeClr val="dk1"/>
           </a:fillRef>
           <a:effectRef idx="0">
-            <a:schemeClr val="accent1"/>
+            <a:schemeClr val="dk1"/>
           </a:effectRef>
           <a:fontRef idx="minor">
             <a:schemeClr val="lt1"/>
@@ -8071,74 +8882,30 @@
       </p:sp>
       <p:sp>
         <p:nvSpPr>
-          <p:cNvPr id="5" name="TextBox 4"/>
-          <p:cNvSpPr txBox="1"/>
+          <p:cNvPr id="7" name="Стрелка вправо 6"/>
+          <p:cNvSpPr/>
           <p:nvPr/>
         </p:nvSpPr>
         <p:spPr>
           <a:xfrm>
-            <a:off x="4852085" y="556562"/>
-            <a:ext cx="2751439" cy="646331"/>
-          </a:xfrm>
-          <a:prstGeom prst="rect">
+            <a:off x="7057290" y="1982804"/>
+            <a:ext cx="1957755" cy="336884"/>
+          </a:xfrm>
+          <a:prstGeom prst="rightArrow">
             <a:avLst/>
           </a:prstGeom>
-          <a:noFill/>
-        </p:spPr>
-        <p:txBody>
-          <a:bodyPr wrap="square" rtlCol="0">
-            <a:spAutoFit/>
-          </a:bodyPr>
-          <a:lstStyle/>
-          <a:p>
-            <a:r>
-              <a:rPr lang="ru-RU" dirty="0" smtClean="0"/>
-              <a:t>Модель потока ошибок</a:t>
-            </a:r>
-          </a:p>
-          <a:p>
-            <a:r>
-              <a:rPr lang="en-US" dirty="0" smtClean="0"/>
-              <a:t> abstract class</a:t>
-            </a:r>
-            <a:endParaRPr lang="ru-RU" dirty="0"/>
-          </a:p>
-        </p:txBody>
-      </p:sp>
-      <p:sp>
-        <p:nvSpPr>
-          <p:cNvPr id="6" name="Блок-схема: процесс 5"/>
-          <p:cNvSpPr/>
-          <p:nvPr/>
-        </p:nvSpPr>
-        <p:spPr>
-          <a:xfrm>
-            <a:off x="2854409" y="1500036"/>
-            <a:ext cx="1919417" cy="757881"/>
-          </a:xfrm>
-          <a:prstGeom prst="flowChartProcess">
-            <a:avLst/>
-          </a:prstGeom>
-          <a:solidFill>
-            <a:schemeClr val="bg1"/>
-          </a:solidFill>
-          <a:ln>
-            <a:solidFill>
-              <a:schemeClr val="tx1"/>
-            </a:solidFill>
-          </a:ln>
         </p:spPr>
         <p:style>
           <a:lnRef idx="2">
-            <a:schemeClr val="accent1">
+            <a:schemeClr val="dk1">
               <a:shade val="50000"/>
             </a:schemeClr>
           </a:lnRef>
           <a:fillRef idx="1">
-            <a:schemeClr val="accent1"/>
+            <a:schemeClr val="dk1"/>
           </a:fillRef>
           <a:effectRef idx="0">
-            <a:schemeClr val="accent1"/>
+            <a:schemeClr val="dk1"/>
           </a:effectRef>
           <a:fontRef idx="minor">
             <a:schemeClr val="lt1"/>
@@ -8149,56 +8916,96 @@
           <a:lstStyle/>
           <a:p>
             <a:pPr algn="ctr"/>
-            <a:r>
-              <a:rPr lang="ru-RU" dirty="0" smtClean="0">
-                <a:solidFill>
-                  <a:schemeClr val="tx1"/>
-                </a:solidFill>
-              </a:rPr>
-              <a:t>ОПП</a:t>
-            </a:r>
-            <a:endParaRPr lang="ru-RU" dirty="0">
-              <a:solidFill>
-                <a:schemeClr val="tx1"/>
-              </a:solidFill>
-            </a:endParaRPr>
-          </a:p>
-        </p:txBody>
-      </p:sp>
-      <p:sp>
-        <p:nvSpPr>
-          <p:cNvPr id="7" name="Блок-схема: процесс 6"/>
+            <a:endParaRPr lang="ru-RU"/>
+          </a:p>
+        </p:txBody>
+      </p:sp>
+      <p:sp>
+        <p:nvSpPr>
+          <p:cNvPr id="8" name="TextBox 7"/>
+          <p:cNvSpPr txBox="1"/>
+          <p:nvPr/>
+        </p:nvSpPr>
+        <p:spPr>
+          <a:xfrm>
+            <a:off x="3094893" y="1613472"/>
+            <a:ext cx="1736990" cy="415498"/>
+          </a:xfrm>
+          <a:prstGeom prst="rect">
+            <a:avLst/>
+          </a:prstGeom>
+          <a:noFill/>
+        </p:spPr>
+        <p:txBody>
+          <a:bodyPr wrap="square" rtlCol="0">
+            <a:spAutoFit/>
+          </a:bodyPr>
+          <a:lstStyle/>
+          <a:p>
+            <a:r>
+              <a:rPr lang="ru-RU" sz="1050" dirty="0" smtClean="0"/>
+              <a:t>Условия пользовательской задачи</a:t>
+            </a:r>
+            <a:endParaRPr lang="ru-RU" sz="1050" dirty="0"/>
+          </a:p>
+        </p:txBody>
+      </p:sp>
+      <p:sp>
+        <p:nvSpPr>
+          <p:cNvPr id="10" name="TextBox 9"/>
+          <p:cNvSpPr txBox="1"/>
+          <p:nvPr/>
+        </p:nvSpPr>
+        <p:spPr>
+          <a:xfrm>
+            <a:off x="7057290" y="1613472"/>
+            <a:ext cx="1736990" cy="415498"/>
+          </a:xfrm>
+          <a:prstGeom prst="rect">
+            <a:avLst/>
+          </a:prstGeom>
+          <a:noFill/>
+        </p:spPr>
+        <p:txBody>
+          <a:bodyPr wrap="square" rtlCol="0">
+            <a:spAutoFit/>
+          </a:bodyPr>
+          <a:lstStyle/>
+          <a:p>
+            <a:r>
+              <a:rPr lang="ru-RU" sz="1050" dirty="0" smtClean="0"/>
+              <a:t>Условия пользовательской задачи</a:t>
+            </a:r>
+            <a:endParaRPr lang="ru-RU" sz="1050" dirty="0"/>
+          </a:p>
+        </p:txBody>
+      </p:sp>
+      <p:sp>
+        <p:nvSpPr>
+          <p:cNvPr id="11" name="Стрелка влево 10"/>
           <p:cNvSpPr/>
           <p:nvPr/>
         </p:nvSpPr>
         <p:spPr>
           <a:xfrm>
-            <a:off x="7241060" y="1500036"/>
-            <a:ext cx="1919417" cy="757881"/>
-          </a:xfrm>
-          <a:prstGeom prst="flowChartProcess">
+            <a:off x="7057290" y="4533499"/>
+            <a:ext cx="1957755" cy="375385"/>
+          </a:xfrm>
+          <a:prstGeom prst="leftArrow">
             <a:avLst/>
           </a:prstGeom>
-          <a:solidFill>
-            <a:schemeClr val="bg1"/>
-          </a:solidFill>
-          <a:ln>
-            <a:solidFill>
-              <a:schemeClr val="tx1"/>
-            </a:solidFill>
-          </a:ln>
         </p:spPr>
         <p:style>
           <a:lnRef idx="2">
-            <a:schemeClr val="accent1">
+            <a:schemeClr val="dk1">
               <a:shade val="50000"/>
             </a:schemeClr>
           </a:lnRef>
           <a:fillRef idx="1">
-            <a:schemeClr val="accent1"/>
+            <a:schemeClr val="dk1"/>
           </a:fillRef>
           <a:effectRef idx="0">
-            <a:schemeClr val="accent1"/>
+            <a:schemeClr val="dk1"/>
           </a:effectRef>
           <a:fontRef idx="minor">
             <a:schemeClr val="lt1"/>
@@ -8209,56 +9016,36 @@
           <a:lstStyle/>
           <a:p>
             <a:pPr algn="ctr"/>
-            <a:r>
-              <a:rPr lang="ru-RU" dirty="0" smtClean="0">
-                <a:solidFill>
-                  <a:schemeClr val="tx1"/>
-                </a:solidFill>
-              </a:rPr>
-              <a:t>ДСК</a:t>
-            </a:r>
-            <a:endParaRPr lang="ru-RU" dirty="0">
-              <a:solidFill>
-                <a:schemeClr val="tx1"/>
-              </a:solidFill>
-            </a:endParaRPr>
-          </a:p>
-        </p:txBody>
-      </p:sp>
-      <p:sp>
-        <p:nvSpPr>
-          <p:cNvPr id="8" name="Блок-схема: процесс 7"/>
+            <a:endParaRPr lang="ru-RU"/>
+          </a:p>
+        </p:txBody>
+      </p:sp>
+      <p:sp>
+        <p:nvSpPr>
+          <p:cNvPr id="12" name="Стрелка влево 11"/>
           <p:cNvSpPr/>
           <p:nvPr/>
         </p:nvSpPr>
         <p:spPr>
           <a:xfrm>
-            <a:off x="4852085" y="4126469"/>
-            <a:ext cx="2487829" cy="757881"/>
-          </a:xfrm>
-          <a:prstGeom prst="flowChartProcess">
+            <a:off x="3094892" y="4533498"/>
+            <a:ext cx="1957755" cy="375385"/>
+          </a:xfrm>
+          <a:prstGeom prst="leftArrow">
             <a:avLst/>
           </a:prstGeom>
-          <a:solidFill>
-            <a:schemeClr val="bg1"/>
-          </a:solidFill>
-          <a:ln>
-            <a:solidFill>
-              <a:schemeClr val="tx1"/>
-            </a:solidFill>
-          </a:ln>
         </p:spPr>
         <p:style>
           <a:lnRef idx="2">
-            <a:schemeClr val="accent1">
+            <a:schemeClr val="dk1">
               <a:shade val="50000"/>
             </a:schemeClr>
           </a:lnRef>
           <a:fillRef idx="1">
-            <a:schemeClr val="accent1"/>
+            <a:schemeClr val="dk1"/>
           </a:fillRef>
           <a:effectRef idx="0">
-            <a:schemeClr val="accent1"/>
+            <a:schemeClr val="dk1"/>
           </a:effectRef>
           <a:fontRef idx="minor">
             <a:schemeClr val="lt1"/>
@@ -8269,545 +9056,74 @@
           <a:lstStyle/>
           <a:p>
             <a:pPr algn="ctr"/>
-            <a:r>
-              <a:rPr lang="ru-RU" dirty="0" smtClean="0">
-                <a:solidFill>
-                  <a:schemeClr val="tx1"/>
-                </a:solidFill>
-              </a:rPr>
-              <a:t>Протокол</a:t>
-            </a:r>
-            <a:endParaRPr lang="ru-RU" dirty="0">
-              <a:solidFill>
-                <a:schemeClr val="tx1"/>
-              </a:solidFill>
-            </a:endParaRPr>
-          </a:p>
-        </p:txBody>
-      </p:sp>
-      <p:cxnSp>
-        <p:nvCxnSpPr>
-          <p:cNvPr id="12" name="Соединительная линия уступом 11"/>
-          <p:cNvCxnSpPr>
-            <a:stCxn id="4" idx="2"/>
-            <a:endCxn id="6" idx="0"/>
-          </p:cNvCxnSpPr>
+            <a:endParaRPr lang="ru-RU"/>
+          </a:p>
+        </p:txBody>
+      </p:sp>
+      <p:sp>
+        <p:nvSpPr>
+          <p:cNvPr id="13" name="TextBox 12"/>
+          <p:cNvSpPr txBox="1"/>
           <p:nvPr/>
-        </p:nvCxnSpPr>
-        <p:spPr>
-          <a:xfrm rot="5400000">
-            <a:off x="4777571" y="173369"/>
-            <a:ext cx="363214" cy="2290120"/>
-          </a:xfrm>
-          <a:prstGeom prst="bentConnector3">
-            <a:avLst/>
-          </a:prstGeom>
-          <a:ln>
-            <a:solidFill>
-              <a:schemeClr val="tx1"/>
-            </a:solidFill>
-            <a:tailEnd type="triangle"/>
-          </a:ln>
-        </p:spPr>
-        <p:style>
-          <a:lnRef idx="1">
-            <a:schemeClr val="accent1"/>
-          </a:lnRef>
-          <a:fillRef idx="0">
-            <a:schemeClr val="accent1"/>
-          </a:fillRef>
-          <a:effectRef idx="0">
-            <a:schemeClr val="accent1"/>
-          </a:effectRef>
-          <a:fontRef idx="minor">
-            <a:schemeClr val="tx1"/>
-          </a:fontRef>
-        </p:style>
-      </p:cxnSp>
-      <p:cxnSp>
-        <p:nvCxnSpPr>
-          <p:cNvPr id="15" name="Соединительная линия уступом 14"/>
-          <p:cNvCxnSpPr>
-            <a:stCxn id="4" idx="2"/>
-            <a:endCxn id="7" idx="0"/>
-          </p:cNvCxnSpPr>
-          <p:nvPr/>
-        </p:nvCxnSpPr>
-        <p:spPr>
-          <a:xfrm rot="16200000" flipH="1">
-            <a:off x="6970896" y="270163"/>
-            <a:ext cx="363214" cy="2096531"/>
-          </a:xfrm>
-          <a:prstGeom prst="bentConnector3">
-            <a:avLst/>
-          </a:prstGeom>
-          <a:ln>
-            <a:solidFill>
-              <a:schemeClr val="tx1"/>
-            </a:solidFill>
-            <a:tailEnd type="triangle"/>
-          </a:ln>
-        </p:spPr>
-        <p:style>
-          <a:lnRef idx="1">
-            <a:schemeClr val="accent1"/>
-          </a:lnRef>
-          <a:fillRef idx="0">
-            <a:schemeClr val="accent1"/>
-          </a:fillRef>
-          <a:effectRef idx="0">
-            <a:schemeClr val="accent1"/>
-          </a:effectRef>
-          <a:fontRef idx="minor">
-            <a:schemeClr val="tx1"/>
-          </a:fontRef>
-        </p:style>
-      </p:cxnSp>
-      <p:sp>
-        <p:nvSpPr>
-          <p:cNvPr id="16" name="Прямоугольник 15"/>
-          <p:cNvSpPr/>
-          <p:nvPr/>
-        </p:nvSpPr>
-        <p:spPr>
-          <a:xfrm>
-            <a:off x="5354594" y="2792438"/>
-            <a:ext cx="1482810" cy="785404"/>
+        </p:nvSpPr>
+        <p:spPr>
+          <a:xfrm>
+            <a:off x="7254611" y="4242781"/>
+            <a:ext cx="1736990" cy="415498"/>
           </a:xfrm>
           <a:prstGeom prst="rect">
             <a:avLst/>
           </a:prstGeom>
-        </p:spPr>
-        <p:style>
-          <a:lnRef idx="2">
-            <a:schemeClr val="dk1"/>
-          </a:lnRef>
-          <a:fillRef idx="1">
-            <a:schemeClr val="lt1"/>
-          </a:fillRef>
-          <a:effectRef idx="0">
-            <a:schemeClr val="dk1"/>
-          </a:effectRef>
-          <a:fontRef idx="minor">
-            <a:schemeClr val="dk1"/>
-          </a:fontRef>
-        </p:style>
-        <p:txBody>
-          <a:bodyPr rtlCol="0" anchor="ctr"/>
-          <a:lstStyle/>
-          <a:p>
-            <a:pPr algn="ctr"/>
-            <a:r>
-              <a:rPr lang="ru-RU" dirty="0" smtClean="0"/>
-              <a:t>Поток информации</a:t>
-            </a:r>
-            <a:endParaRPr lang="ru-RU" dirty="0"/>
-          </a:p>
-        </p:txBody>
-      </p:sp>
-      <p:cxnSp>
-        <p:nvCxnSpPr>
-          <p:cNvPr id="9" name="Соединительная линия уступом 8"/>
-          <p:cNvCxnSpPr>
-            <a:stCxn id="6" idx="2"/>
-            <a:endCxn id="16" idx="0"/>
-          </p:cNvCxnSpPr>
+          <a:noFill/>
+        </p:spPr>
+        <p:txBody>
+          <a:bodyPr wrap="square" rtlCol="0">
+            <a:spAutoFit/>
+          </a:bodyPr>
+          <a:lstStyle/>
+          <a:p>
+            <a:r>
+              <a:rPr lang="ru-RU" sz="1050" dirty="0" smtClean="0"/>
+              <a:t>Результаты работы программы</a:t>
+            </a:r>
+            <a:endParaRPr lang="ru-RU" sz="1050" dirty="0"/>
+          </a:p>
+        </p:txBody>
+      </p:sp>
+      <p:sp>
+        <p:nvSpPr>
+          <p:cNvPr id="14" name="TextBox 13"/>
+          <p:cNvSpPr txBox="1"/>
           <p:nvPr/>
-        </p:nvCxnSpPr>
-        <p:spPr>
-          <a:xfrm rot="16200000" flipH="1">
-            <a:off x="4687798" y="1384236"/>
-            <a:ext cx="534521" cy="2281881"/>
-          </a:xfrm>
-          <a:prstGeom prst="bentConnector3">
-            <a:avLst/>
-          </a:prstGeom>
-          <a:ln>
-            <a:solidFill>
-              <a:schemeClr val="tx1"/>
-            </a:solidFill>
-            <a:tailEnd type="triangle"/>
-          </a:ln>
-        </p:spPr>
-        <p:style>
-          <a:lnRef idx="1">
-            <a:schemeClr val="accent1"/>
-          </a:lnRef>
-          <a:fillRef idx="0">
-            <a:schemeClr val="accent1"/>
-          </a:fillRef>
-          <a:effectRef idx="0">
-            <a:schemeClr val="accent1"/>
-          </a:effectRef>
-          <a:fontRef idx="minor">
-            <a:schemeClr val="tx1"/>
-          </a:fontRef>
-        </p:style>
-      </p:cxnSp>
-      <p:cxnSp>
-        <p:nvCxnSpPr>
-          <p:cNvPr id="11" name="Соединительная линия уступом 10"/>
-          <p:cNvCxnSpPr>
-            <a:stCxn id="7" idx="2"/>
-            <a:endCxn id="16" idx="0"/>
-          </p:cNvCxnSpPr>
-          <p:nvPr/>
-        </p:nvCxnSpPr>
-        <p:spPr>
-          <a:xfrm rot="5400000">
-            <a:off x="6881124" y="1472792"/>
-            <a:ext cx="534521" cy="2104770"/>
-          </a:xfrm>
-          <a:prstGeom prst="bentConnector3">
-            <a:avLst/>
-          </a:prstGeom>
-          <a:ln>
-            <a:solidFill>
-              <a:schemeClr val="tx1"/>
-            </a:solidFill>
-            <a:tailEnd type="triangle"/>
-          </a:ln>
-        </p:spPr>
-        <p:style>
-          <a:lnRef idx="1">
-            <a:schemeClr val="accent1"/>
-          </a:lnRef>
-          <a:fillRef idx="0">
-            <a:schemeClr val="accent1"/>
-          </a:fillRef>
-          <a:effectRef idx="0">
-            <a:schemeClr val="accent1"/>
-          </a:effectRef>
-          <a:fontRef idx="minor">
-            <a:schemeClr val="tx1"/>
-          </a:fontRef>
-        </p:style>
-      </p:cxnSp>
-      <p:cxnSp>
-        <p:nvCxnSpPr>
-          <p:cNvPr id="28" name="Прямая со стрелкой 27"/>
-          <p:cNvCxnSpPr>
-            <a:stCxn id="16" idx="2"/>
-            <a:endCxn id="8" idx="0"/>
-          </p:cNvCxnSpPr>
-          <p:nvPr/>
-        </p:nvCxnSpPr>
-        <p:spPr>
-          <a:xfrm>
-            <a:off x="6095999" y="3577842"/>
-            <a:ext cx="1" cy="548627"/>
-          </a:xfrm>
-          <a:prstGeom prst="straightConnector1">
-            <a:avLst/>
-          </a:prstGeom>
-          <a:ln>
-            <a:solidFill>
-              <a:schemeClr val="tx1"/>
-            </a:solidFill>
-            <a:tailEnd type="triangle"/>
-          </a:ln>
-        </p:spPr>
-        <p:style>
-          <a:lnRef idx="1">
-            <a:schemeClr val="accent1"/>
-          </a:lnRef>
-          <a:fillRef idx="0">
-            <a:schemeClr val="accent1"/>
-          </a:fillRef>
-          <a:effectRef idx="0">
-            <a:schemeClr val="accent1"/>
-          </a:effectRef>
-          <a:fontRef idx="minor">
-            <a:schemeClr val="tx1"/>
-          </a:fontRef>
-        </p:style>
-      </p:cxnSp>
-      <p:sp>
-        <p:nvSpPr>
-          <p:cNvPr id="42" name="Прямоугольник 41"/>
-          <p:cNvSpPr/>
-          <p:nvPr/>
-        </p:nvSpPr>
-        <p:spPr>
-          <a:xfrm>
-            <a:off x="1383956" y="5432977"/>
-            <a:ext cx="1565186" cy="302679"/>
+        </p:nvSpPr>
+        <p:spPr>
+          <a:xfrm>
+            <a:off x="3292213" y="4242780"/>
+            <a:ext cx="1736990" cy="253916"/>
           </a:xfrm>
           <a:prstGeom prst="rect">
             <a:avLst/>
           </a:prstGeom>
-        </p:spPr>
-        <p:style>
-          <a:lnRef idx="2">
-            <a:schemeClr val="dk1"/>
-          </a:lnRef>
-          <a:fillRef idx="1">
-            <a:schemeClr val="lt1"/>
-          </a:fillRef>
-          <a:effectRef idx="0">
-            <a:schemeClr val="dk1"/>
-          </a:effectRef>
-          <a:fontRef idx="minor">
-            <a:schemeClr val="dk1"/>
-          </a:fontRef>
-        </p:style>
-        <p:txBody>
-          <a:bodyPr rtlCol="0" anchor="ctr"/>
-          <a:lstStyle/>
-          <a:p>
-            <a:pPr algn="ctr"/>
-            <a:r>
-              <a:rPr lang="ru-RU" dirty="0" err="1" smtClean="0"/>
-              <a:t>Криптоблоки</a:t>
-            </a:r>
-            <a:endParaRPr lang="ru-RU" dirty="0"/>
-          </a:p>
-        </p:txBody>
-      </p:sp>
-      <p:cxnSp>
-        <p:nvCxnSpPr>
-          <p:cNvPr id="49" name="Соединительная линия уступом 48"/>
-          <p:cNvCxnSpPr>
-            <a:stCxn id="8" idx="1"/>
-            <a:endCxn id="42" idx="0"/>
-          </p:cNvCxnSpPr>
-          <p:nvPr/>
-        </p:nvCxnSpPr>
-        <p:spPr>
-          <a:xfrm rot="10800000" flipV="1">
-            <a:off x="2166549" y="4505409"/>
-            <a:ext cx="2685536" cy="927567"/>
-          </a:xfrm>
-          <a:prstGeom prst="bentConnector2">
-            <a:avLst/>
-          </a:prstGeom>
-          <a:ln>
-            <a:solidFill>
-              <a:schemeClr val="tx1"/>
-            </a:solidFill>
-            <a:tailEnd type="triangle"/>
-          </a:ln>
-        </p:spPr>
-        <p:style>
-          <a:lnRef idx="1">
-            <a:schemeClr val="accent1"/>
-          </a:lnRef>
-          <a:fillRef idx="0">
-            <a:schemeClr val="accent1"/>
-          </a:fillRef>
-          <a:effectRef idx="0">
-            <a:schemeClr val="accent1"/>
-          </a:effectRef>
-          <a:fontRef idx="minor">
-            <a:schemeClr val="tx1"/>
-          </a:fontRef>
-        </p:style>
-      </p:cxnSp>
-      <p:sp>
-        <p:nvSpPr>
-          <p:cNvPr id="54" name="Прямоугольник 53"/>
-          <p:cNvSpPr/>
-          <p:nvPr/>
-        </p:nvSpPr>
-        <p:spPr>
-          <a:xfrm>
-            <a:off x="5321643" y="5432977"/>
-            <a:ext cx="1565186" cy="302679"/>
-          </a:xfrm>
-          <a:prstGeom prst="rect">
-            <a:avLst/>
-          </a:prstGeom>
-        </p:spPr>
-        <p:style>
-          <a:lnRef idx="2">
-            <a:schemeClr val="dk1"/>
-          </a:lnRef>
-          <a:fillRef idx="1">
-            <a:schemeClr val="lt1"/>
-          </a:fillRef>
-          <a:effectRef idx="0">
-            <a:schemeClr val="dk1"/>
-          </a:effectRef>
-          <a:fontRef idx="minor">
-            <a:schemeClr val="dk1"/>
-          </a:fontRef>
-        </p:style>
-        <p:txBody>
-          <a:bodyPr rtlCol="0" anchor="ctr"/>
-          <a:lstStyle/>
-          <a:p>
-            <a:pPr algn="ctr"/>
-            <a:r>
-              <a:rPr lang="ru-RU" dirty="0" smtClean="0"/>
-              <a:t>Пакеты</a:t>
-            </a:r>
-            <a:endParaRPr lang="ru-RU" dirty="0"/>
-          </a:p>
-        </p:txBody>
-      </p:sp>
-      <p:cxnSp>
-        <p:nvCxnSpPr>
-          <p:cNvPr id="56" name="Прямая со стрелкой 55"/>
-          <p:cNvCxnSpPr>
-            <a:stCxn id="42" idx="3"/>
-            <a:endCxn id="54" idx="1"/>
-          </p:cNvCxnSpPr>
-          <p:nvPr/>
-        </p:nvCxnSpPr>
-        <p:spPr>
-          <a:xfrm>
-            <a:off x="2949142" y="5584317"/>
-            <a:ext cx="2372501" cy="0"/>
-          </a:xfrm>
-          <a:prstGeom prst="straightConnector1">
-            <a:avLst/>
-          </a:prstGeom>
-          <a:ln>
-            <a:solidFill>
-              <a:schemeClr val="tx1"/>
-            </a:solidFill>
-            <a:tailEnd type="triangle"/>
-          </a:ln>
-        </p:spPr>
-        <p:style>
-          <a:lnRef idx="1">
-            <a:schemeClr val="accent1"/>
-          </a:lnRef>
-          <a:fillRef idx="0">
-            <a:schemeClr val="accent1"/>
-          </a:fillRef>
-          <a:effectRef idx="0">
-            <a:schemeClr val="accent1"/>
-          </a:effectRef>
-          <a:fontRef idx="minor">
-            <a:schemeClr val="tx1"/>
-          </a:fontRef>
-        </p:style>
-      </p:cxnSp>
-      <p:cxnSp>
-        <p:nvCxnSpPr>
-          <p:cNvPr id="59" name="Прямая со стрелкой 58"/>
-          <p:cNvCxnSpPr>
-            <a:stCxn id="54" idx="0"/>
-            <a:endCxn id="8" idx="2"/>
-          </p:cNvCxnSpPr>
-          <p:nvPr/>
-        </p:nvCxnSpPr>
-        <p:spPr>
-          <a:xfrm flipH="1" flipV="1">
-            <a:off x="6096000" y="4884350"/>
-            <a:ext cx="8236" cy="548627"/>
-          </a:xfrm>
-          <a:prstGeom prst="straightConnector1">
-            <a:avLst/>
-          </a:prstGeom>
-          <a:ln>
-            <a:solidFill>
-              <a:schemeClr val="tx1"/>
-            </a:solidFill>
-            <a:tailEnd type="triangle"/>
-          </a:ln>
-        </p:spPr>
-        <p:style>
-          <a:lnRef idx="1">
-            <a:schemeClr val="accent1"/>
-          </a:lnRef>
-          <a:fillRef idx="0">
-            <a:schemeClr val="accent1"/>
-          </a:fillRef>
-          <a:effectRef idx="0">
-            <a:schemeClr val="accent1"/>
-          </a:effectRef>
-          <a:fontRef idx="minor">
-            <a:schemeClr val="tx1"/>
-          </a:fontRef>
-        </p:style>
-      </p:cxnSp>
-      <p:sp>
-        <p:nvSpPr>
-          <p:cNvPr id="62" name="Прямоугольник 61"/>
-          <p:cNvSpPr/>
-          <p:nvPr/>
-        </p:nvSpPr>
-        <p:spPr>
-          <a:xfrm>
-            <a:off x="10087234" y="4354069"/>
-            <a:ext cx="1565186" cy="302679"/>
-          </a:xfrm>
-          <a:prstGeom prst="rect">
-            <a:avLst/>
-          </a:prstGeom>
-        </p:spPr>
-        <p:style>
-          <a:lnRef idx="2">
-            <a:schemeClr val="dk1"/>
-          </a:lnRef>
-          <a:fillRef idx="1">
-            <a:schemeClr val="lt1"/>
-          </a:fillRef>
-          <a:effectRef idx="0">
-            <a:schemeClr val="dk1"/>
-          </a:effectRef>
-          <a:fontRef idx="minor">
-            <a:schemeClr val="dk1"/>
-          </a:fontRef>
-        </p:style>
-        <p:txBody>
-          <a:bodyPr rtlCol="0" anchor="ctr"/>
-          <a:lstStyle/>
-          <a:p>
-            <a:pPr algn="ctr"/>
-            <a:r>
-              <a:rPr lang="ru-RU" dirty="0" smtClean="0"/>
-              <a:t>Статистика</a:t>
-            </a:r>
-            <a:endParaRPr lang="ru-RU" dirty="0"/>
-          </a:p>
-        </p:txBody>
-      </p:sp>
-      <p:cxnSp>
-        <p:nvCxnSpPr>
-          <p:cNvPr id="66" name="Прямая со стрелкой 65"/>
-          <p:cNvCxnSpPr>
-            <a:stCxn id="8" idx="3"/>
-            <a:endCxn id="62" idx="1"/>
-          </p:cNvCxnSpPr>
-          <p:nvPr/>
-        </p:nvCxnSpPr>
-        <p:spPr>
-          <a:xfrm flipV="1">
-            <a:off x="7339914" y="4505409"/>
-            <a:ext cx="2747320" cy="1"/>
-          </a:xfrm>
-          <a:prstGeom prst="straightConnector1">
-            <a:avLst/>
-          </a:prstGeom>
-          <a:ln>
-            <a:solidFill>
-              <a:schemeClr val="tx1"/>
-            </a:solidFill>
-            <a:tailEnd type="triangle"/>
-          </a:ln>
-        </p:spPr>
-        <p:style>
-          <a:lnRef idx="1">
-            <a:schemeClr val="accent1"/>
-          </a:lnRef>
-          <a:fillRef idx="0">
-            <a:schemeClr val="accent1"/>
-          </a:fillRef>
-          <a:effectRef idx="0">
-            <a:schemeClr val="accent1"/>
-          </a:effectRef>
-          <a:fontRef idx="minor">
-            <a:schemeClr val="tx1"/>
-          </a:fontRef>
-        </p:style>
-      </p:cxnSp>
+          <a:noFill/>
+        </p:spPr>
+        <p:txBody>
+          <a:bodyPr wrap="square" rtlCol="0">
+            <a:spAutoFit/>
+          </a:bodyPr>
+          <a:lstStyle/>
+          <a:p>
+            <a:r>
+              <a:rPr lang="ru-RU" sz="1050" dirty="0" smtClean="0"/>
+              <a:t>Данные для анализа</a:t>
+            </a:r>
+            <a:endParaRPr lang="ru-RU" sz="1050" dirty="0"/>
+          </a:p>
+        </p:txBody>
+      </p:sp>
     </p:spTree>
     <p:extLst>
       <p:ext uri="{BB962C8B-B14F-4D97-AF65-F5344CB8AC3E}">
-        <p14:creationId xmlns:p14="http://schemas.microsoft.com/office/powerpoint/2010/main" val="2979329721"/>
+        <p14:creationId xmlns:p14="http://schemas.microsoft.com/office/powerpoint/2010/main" val="1207087769"/>
       </p:ext>
     </p:extLst>
   </p:cSld>
@@ -8853,8 +9169,8 @@
         </p:nvSpPr>
         <p:spPr>
           <a:xfrm>
-            <a:off x="1583165" y="0"/>
-            <a:ext cx="10018713" cy="656968"/>
+            <a:off x="1484311" y="0"/>
+            <a:ext cx="10018713" cy="648730"/>
           </a:xfrm>
         </p:spPr>
         <p:txBody>
@@ -8865,7 +9181,7 @@
           <a:p>
             <a:r>
               <a:rPr lang="ru-RU" dirty="0" smtClean="0"/>
-              <a:t>Метрики</a:t>
+              <a:t>Программная реализация</a:t>
             </a:r>
             <a:endParaRPr lang="ru-RU" dirty="0"/>
           </a:p>
@@ -8873,86 +9189,62 @@
       </p:sp>
       <p:sp>
         <p:nvSpPr>
-          <p:cNvPr id="3" name="Объект 2"/>
-          <p:cNvSpPr>
-            <a:spLocks noGrp="1"/>
-          </p:cNvSpPr>
-          <p:nvPr>
-            <p:ph idx="1"/>
-          </p:nvPr>
-        </p:nvSpPr>
-        <p:spPr>
-          <a:xfrm>
-            <a:off x="2569464" y="656968"/>
-            <a:ext cx="8046114" cy="1935892"/>
-          </a:xfrm>
-        </p:spPr>
-        <p:txBody>
-          <a:bodyPr>
-            <a:normAutofit lnSpcReduction="10000"/>
-          </a:bodyPr>
-          <a:lstStyle/>
-          <a:p>
-            <a:r>
-              <a:rPr lang="ru-RU" dirty="0" smtClean="0"/>
-              <a:t>Модель ошибок по ДСК: 35 строк программного кода</a:t>
-            </a:r>
-          </a:p>
-          <a:p>
-            <a:r>
-              <a:rPr lang="ru-RU" dirty="0" smtClean="0"/>
-              <a:t>Модель ошибок по ОПП: 37 строк программного кода</a:t>
-            </a:r>
-          </a:p>
-          <a:p>
-            <a:r>
-              <a:rPr lang="ru-RU" dirty="0" smtClean="0"/>
-              <a:t>Протоколы: 150 строк программного кода</a:t>
-            </a:r>
-          </a:p>
-          <a:p>
-            <a:r>
-              <a:rPr lang="ru-RU" dirty="0" smtClean="0"/>
-              <a:t>Вспомогательные функции: 70 строк программного кода</a:t>
-            </a:r>
-            <a:endParaRPr lang="ru-RU" dirty="0"/>
-          </a:p>
-        </p:txBody>
-      </p:sp>
-      <p:pic>
-        <p:nvPicPr>
-          <p:cNvPr id="7" name="Рисунок 6"/>
-          <p:cNvPicPr>
-            <a:picLocks noChangeAspect="1"/>
-          </p:cNvPicPr>
+          <p:cNvPr id="4" name="Блок-схема: процесс 3"/>
+          <p:cNvSpPr/>
           <p:nvPr/>
-        </p:nvPicPr>
-        <p:blipFill>
-          <a:blip r:embed="rId2"/>
-          <a:stretch>
-            <a:fillRect/>
-          </a:stretch>
-        </p:blipFill>
-        <p:spPr>
-          <a:xfrm>
-            <a:off x="5715000" y="2592861"/>
-            <a:ext cx="6476999" cy="4265140"/>
-          </a:xfrm>
-          <a:prstGeom prst="rect">
+        </p:nvSpPr>
+        <p:spPr>
+          <a:xfrm>
+            <a:off x="4868561" y="611933"/>
+            <a:ext cx="2471353" cy="524889"/>
+          </a:xfrm>
+          <a:prstGeom prst="flowChartProcess">
             <a:avLst/>
           </a:prstGeom>
-        </p:spPr>
-      </p:pic>
-      <p:sp>
-        <p:nvSpPr>
-          <p:cNvPr id="8" name="TextBox 7"/>
+          <a:solidFill>
+            <a:schemeClr val="bg1"/>
+          </a:solidFill>
+          <a:ln>
+            <a:solidFill>
+              <a:schemeClr val="tx1"/>
+            </a:solidFill>
+          </a:ln>
+        </p:spPr>
+        <p:style>
+          <a:lnRef idx="2">
+            <a:schemeClr val="accent1">
+              <a:shade val="50000"/>
+            </a:schemeClr>
+          </a:lnRef>
+          <a:fillRef idx="1">
+            <a:schemeClr val="accent1"/>
+          </a:fillRef>
+          <a:effectRef idx="0">
+            <a:schemeClr val="accent1"/>
+          </a:effectRef>
+          <a:fontRef idx="minor">
+            <a:schemeClr val="lt1"/>
+          </a:fontRef>
+        </p:style>
+        <p:txBody>
+          <a:bodyPr rtlCol="0" anchor="ctr"/>
+          <a:lstStyle/>
+          <a:p>
+            <a:pPr algn="ctr"/>
+            <a:endParaRPr lang="ru-RU"/>
+          </a:p>
+        </p:txBody>
+      </p:sp>
+      <p:sp>
+        <p:nvSpPr>
+          <p:cNvPr id="5" name="TextBox 4"/>
           <p:cNvSpPr txBox="1"/>
           <p:nvPr/>
         </p:nvSpPr>
         <p:spPr>
           <a:xfrm>
-            <a:off x="1162051" y="2771775"/>
-            <a:ext cx="4552950" cy="3139321"/>
+            <a:off x="4852085" y="556562"/>
+            <a:ext cx="2751439" cy="646331"/>
           </a:xfrm>
           <a:prstGeom prst="rect">
             <a:avLst/>
@@ -8967,66 +9259,853 @@
           <a:p>
             <a:r>
               <a:rPr lang="ru-RU" dirty="0" smtClean="0"/>
-              <a:t>Руководство по использованию программы</a:t>
-            </a:r>
+              <a:t>Модель потока ошибок</a:t>
+            </a:r>
+          </a:p>
+          <a:p>
             <a:r>
               <a:rPr lang="en-US" dirty="0" smtClean="0"/>
-              <a:t>:</a:t>
-            </a:r>
-            <a:endParaRPr lang="ru-RU" dirty="0" smtClean="0"/>
-          </a:p>
-          <a:p>
-            <a:pPr marL="342900" indent="-342900">
-              <a:buAutoNum type="arabicParenR"/>
-            </a:pPr>
+              <a:t> abstract class</a:t>
+            </a:r>
+            <a:endParaRPr lang="ru-RU" dirty="0"/>
+          </a:p>
+        </p:txBody>
+      </p:sp>
+      <p:sp>
+        <p:nvSpPr>
+          <p:cNvPr id="6" name="Блок-схема: процесс 5"/>
+          <p:cNvSpPr/>
+          <p:nvPr/>
+        </p:nvSpPr>
+        <p:spPr>
+          <a:xfrm>
+            <a:off x="2854409" y="1500036"/>
+            <a:ext cx="1919417" cy="757881"/>
+          </a:xfrm>
+          <a:prstGeom prst="flowChartProcess">
+            <a:avLst/>
+          </a:prstGeom>
+          <a:solidFill>
+            <a:schemeClr val="bg1"/>
+          </a:solidFill>
+          <a:ln>
+            <a:solidFill>
+              <a:schemeClr val="tx1"/>
+            </a:solidFill>
+          </a:ln>
+        </p:spPr>
+        <p:style>
+          <a:lnRef idx="2">
+            <a:schemeClr val="accent1">
+              <a:shade val="50000"/>
+            </a:schemeClr>
+          </a:lnRef>
+          <a:fillRef idx="1">
+            <a:schemeClr val="accent1"/>
+          </a:fillRef>
+          <a:effectRef idx="0">
+            <a:schemeClr val="accent1"/>
+          </a:effectRef>
+          <a:fontRef idx="minor">
+            <a:schemeClr val="lt1"/>
+          </a:fontRef>
+        </p:style>
+        <p:txBody>
+          <a:bodyPr rtlCol="0" anchor="ctr"/>
+          <a:lstStyle/>
+          <a:p>
+            <a:pPr algn="ctr"/>
+            <a:r>
+              <a:rPr lang="ru-RU" dirty="0" smtClean="0">
+                <a:solidFill>
+                  <a:schemeClr val="tx1"/>
+                </a:solidFill>
+              </a:rPr>
+              <a:t>ОПП</a:t>
+            </a:r>
+            <a:endParaRPr lang="ru-RU" dirty="0">
+              <a:solidFill>
+                <a:schemeClr val="tx1"/>
+              </a:solidFill>
+            </a:endParaRPr>
+          </a:p>
+        </p:txBody>
+      </p:sp>
+      <p:sp>
+        <p:nvSpPr>
+          <p:cNvPr id="7" name="Блок-схема: процесс 6"/>
+          <p:cNvSpPr/>
+          <p:nvPr/>
+        </p:nvSpPr>
+        <p:spPr>
+          <a:xfrm>
+            <a:off x="7241060" y="1500036"/>
+            <a:ext cx="1919417" cy="757881"/>
+          </a:xfrm>
+          <a:prstGeom prst="flowChartProcess">
+            <a:avLst/>
+          </a:prstGeom>
+          <a:solidFill>
+            <a:schemeClr val="bg1"/>
+          </a:solidFill>
+          <a:ln>
+            <a:solidFill>
+              <a:schemeClr val="tx1"/>
+            </a:solidFill>
+          </a:ln>
+        </p:spPr>
+        <p:style>
+          <a:lnRef idx="2">
+            <a:schemeClr val="accent1">
+              <a:shade val="50000"/>
+            </a:schemeClr>
+          </a:lnRef>
+          <a:fillRef idx="1">
+            <a:schemeClr val="accent1"/>
+          </a:fillRef>
+          <a:effectRef idx="0">
+            <a:schemeClr val="accent1"/>
+          </a:effectRef>
+          <a:fontRef idx="minor">
+            <a:schemeClr val="lt1"/>
+          </a:fontRef>
+        </p:style>
+        <p:txBody>
+          <a:bodyPr rtlCol="0" anchor="ctr"/>
+          <a:lstStyle/>
+          <a:p>
+            <a:pPr algn="ctr"/>
+            <a:r>
+              <a:rPr lang="ru-RU" dirty="0" smtClean="0">
+                <a:solidFill>
+                  <a:schemeClr val="tx1"/>
+                </a:solidFill>
+              </a:rPr>
+              <a:t>ДСК</a:t>
+            </a:r>
+            <a:endParaRPr lang="ru-RU" dirty="0">
+              <a:solidFill>
+                <a:schemeClr val="tx1"/>
+              </a:solidFill>
+            </a:endParaRPr>
+          </a:p>
+        </p:txBody>
+      </p:sp>
+      <p:sp>
+        <p:nvSpPr>
+          <p:cNvPr id="8" name="Блок-схема: процесс 7"/>
+          <p:cNvSpPr/>
+          <p:nvPr/>
+        </p:nvSpPr>
+        <p:spPr>
+          <a:xfrm>
+            <a:off x="4852085" y="4126469"/>
+            <a:ext cx="2487829" cy="757881"/>
+          </a:xfrm>
+          <a:prstGeom prst="flowChartProcess">
+            <a:avLst/>
+          </a:prstGeom>
+          <a:solidFill>
+            <a:schemeClr val="bg1"/>
+          </a:solidFill>
+          <a:ln>
+            <a:solidFill>
+              <a:schemeClr val="tx1"/>
+            </a:solidFill>
+          </a:ln>
+        </p:spPr>
+        <p:style>
+          <a:lnRef idx="2">
+            <a:schemeClr val="accent1">
+              <a:shade val="50000"/>
+            </a:schemeClr>
+          </a:lnRef>
+          <a:fillRef idx="1">
+            <a:schemeClr val="accent1"/>
+          </a:fillRef>
+          <a:effectRef idx="0">
+            <a:schemeClr val="accent1"/>
+          </a:effectRef>
+          <a:fontRef idx="minor">
+            <a:schemeClr val="lt1"/>
+          </a:fontRef>
+        </p:style>
+        <p:txBody>
+          <a:bodyPr rtlCol="0" anchor="ctr"/>
+          <a:lstStyle/>
+          <a:p>
+            <a:pPr algn="ctr"/>
+            <a:r>
+              <a:rPr lang="ru-RU" dirty="0" smtClean="0">
+                <a:solidFill>
+                  <a:schemeClr val="tx1"/>
+                </a:solidFill>
+              </a:rPr>
+              <a:t>Протокол</a:t>
+            </a:r>
+            <a:endParaRPr lang="ru-RU" dirty="0">
+              <a:solidFill>
+                <a:schemeClr val="tx1"/>
+              </a:solidFill>
+            </a:endParaRPr>
+          </a:p>
+        </p:txBody>
+      </p:sp>
+      <p:cxnSp>
+        <p:nvCxnSpPr>
+          <p:cNvPr id="12" name="Соединительная линия уступом 11"/>
+          <p:cNvCxnSpPr>
+            <a:stCxn id="4" idx="2"/>
+            <a:endCxn id="6" idx="0"/>
+          </p:cNvCxnSpPr>
+          <p:nvPr/>
+        </p:nvCxnSpPr>
+        <p:spPr>
+          <a:xfrm rot="5400000">
+            <a:off x="4777571" y="173369"/>
+            <a:ext cx="363214" cy="2290120"/>
+          </a:xfrm>
+          <a:prstGeom prst="bentConnector3">
+            <a:avLst/>
+          </a:prstGeom>
+          <a:ln>
+            <a:tailEnd type="triangle"/>
+          </a:ln>
+        </p:spPr>
+        <p:style>
+          <a:lnRef idx="2">
+            <a:schemeClr val="dk1"/>
+          </a:lnRef>
+          <a:fillRef idx="0">
+            <a:schemeClr val="dk1"/>
+          </a:fillRef>
+          <a:effectRef idx="1">
+            <a:schemeClr val="dk1"/>
+          </a:effectRef>
+          <a:fontRef idx="minor">
+            <a:schemeClr val="tx1"/>
+          </a:fontRef>
+        </p:style>
+      </p:cxnSp>
+      <p:cxnSp>
+        <p:nvCxnSpPr>
+          <p:cNvPr id="15" name="Соединительная линия уступом 14"/>
+          <p:cNvCxnSpPr>
+            <a:stCxn id="4" idx="2"/>
+            <a:endCxn id="7" idx="0"/>
+          </p:cNvCxnSpPr>
+          <p:nvPr/>
+        </p:nvCxnSpPr>
+        <p:spPr>
+          <a:xfrm rot="16200000" flipH="1">
+            <a:off x="6970896" y="270163"/>
+            <a:ext cx="363214" cy="2096531"/>
+          </a:xfrm>
+          <a:prstGeom prst="bentConnector3">
+            <a:avLst/>
+          </a:prstGeom>
+          <a:ln>
+            <a:tailEnd type="triangle"/>
+          </a:ln>
+        </p:spPr>
+        <p:style>
+          <a:lnRef idx="2">
+            <a:schemeClr val="dk1"/>
+          </a:lnRef>
+          <a:fillRef idx="0">
+            <a:schemeClr val="dk1"/>
+          </a:fillRef>
+          <a:effectRef idx="1">
+            <a:schemeClr val="dk1"/>
+          </a:effectRef>
+          <a:fontRef idx="minor">
+            <a:schemeClr val="tx1"/>
+          </a:fontRef>
+        </p:style>
+      </p:cxnSp>
+      <p:sp>
+        <p:nvSpPr>
+          <p:cNvPr id="16" name="Прямоугольник 15"/>
+          <p:cNvSpPr/>
+          <p:nvPr/>
+        </p:nvSpPr>
+        <p:spPr>
+          <a:xfrm>
+            <a:off x="5354594" y="2792438"/>
+            <a:ext cx="1482810" cy="785404"/>
+          </a:xfrm>
+          <a:prstGeom prst="rect">
+            <a:avLst/>
+          </a:prstGeom>
+        </p:spPr>
+        <p:style>
+          <a:lnRef idx="2">
+            <a:schemeClr val="dk1"/>
+          </a:lnRef>
+          <a:fillRef idx="1">
+            <a:schemeClr val="lt1"/>
+          </a:fillRef>
+          <a:effectRef idx="0">
+            <a:schemeClr val="dk1"/>
+          </a:effectRef>
+          <a:fontRef idx="minor">
+            <a:schemeClr val="dk1"/>
+          </a:fontRef>
+        </p:style>
+        <p:txBody>
+          <a:bodyPr rtlCol="0" anchor="ctr"/>
+          <a:lstStyle/>
+          <a:p>
+            <a:pPr algn="ctr"/>
             <a:r>
               <a:rPr lang="ru-RU" dirty="0" smtClean="0"/>
-              <a:t>Выбрать тип моделируемого протокола передачи данных</a:t>
-            </a:r>
-          </a:p>
-          <a:p>
-            <a:pPr marL="342900" indent="-342900">
-              <a:buAutoNum type="arabicParenR"/>
-            </a:pPr>
+              <a:t>Поток информации</a:t>
+            </a:r>
+            <a:endParaRPr lang="ru-RU" dirty="0"/>
+          </a:p>
+        </p:txBody>
+      </p:sp>
+      <p:cxnSp>
+        <p:nvCxnSpPr>
+          <p:cNvPr id="9" name="Соединительная линия уступом 8"/>
+          <p:cNvCxnSpPr>
+            <a:stCxn id="6" idx="2"/>
+            <a:endCxn id="16" idx="0"/>
+          </p:cNvCxnSpPr>
+          <p:nvPr/>
+        </p:nvCxnSpPr>
+        <p:spPr>
+          <a:xfrm rot="16200000" flipH="1">
+            <a:off x="4687798" y="1384236"/>
+            <a:ext cx="534521" cy="2281881"/>
+          </a:xfrm>
+          <a:prstGeom prst="bentConnector3">
+            <a:avLst/>
+          </a:prstGeom>
+          <a:ln>
+            <a:tailEnd type="triangle"/>
+          </a:ln>
+        </p:spPr>
+        <p:style>
+          <a:lnRef idx="2">
+            <a:schemeClr val="dk1"/>
+          </a:lnRef>
+          <a:fillRef idx="0">
+            <a:schemeClr val="dk1"/>
+          </a:fillRef>
+          <a:effectRef idx="1">
+            <a:schemeClr val="dk1"/>
+          </a:effectRef>
+          <a:fontRef idx="minor">
+            <a:schemeClr val="tx1"/>
+          </a:fontRef>
+        </p:style>
+      </p:cxnSp>
+      <p:cxnSp>
+        <p:nvCxnSpPr>
+          <p:cNvPr id="11" name="Соединительная линия уступом 10"/>
+          <p:cNvCxnSpPr>
+            <a:stCxn id="7" idx="2"/>
+            <a:endCxn id="16" idx="0"/>
+          </p:cNvCxnSpPr>
+          <p:nvPr/>
+        </p:nvCxnSpPr>
+        <p:spPr>
+          <a:xfrm rot="5400000">
+            <a:off x="6881124" y="1472792"/>
+            <a:ext cx="534521" cy="2104770"/>
+          </a:xfrm>
+          <a:prstGeom prst="bentConnector3">
+            <a:avLst/>
+          </a:prstGeom>
+          <a:ln>
+            <a:tailEnd type="triangle"/>
+          </a:ln>
+        </p:spPr>
+        <p:style>
+          <a:lnRef idx="2">
+            <a:schemeClr val="dk1"/>
+          </a:lnRef>
+          <a:fillRef idx="0">
+            <a:schemeClr val="dk1"/>
+          </a:fillRef>
+          <a:effectRef idx="1">
+            <a:schemeClr val="dk1"/>
+          </a:effectRef>
+          <a:fontRef idx="minor">
+            <a:schemeClr val="tx1"/>
+          </a:fontRef>
+        </p:style>
+      </p:cxnSp>
+      <p:cxnSp>
+        <p:nvCxnSpPr>
+          <p:cNvPr id="28" name="Прямая со стрелкой 27"/>
+          <p:cNvCxnSpPr>
+            <a:stCxn id="16" idx="2"/>
+            <a:endCxn id="8" idx="0"/>
+          </p:cNvCxnSpPr>
+          <p:nvPr/>
+        </p:nvCxnSpPr>
+        <p:spPr>
+          <a:xfrm>
+            <a:off x="6095999" y="3577842"/>
+            <a:ext cx="1" cy="548627"/>
+          </a:xfrm>
+          <a:prstGeom prst="straightConnector1">
+            <a:avLst/>
+          </a:prstGeom>
+          <a:ln>
+            <a:solidFill>
+              <a:schemeClr val="tx1"/>
+            </a:solidFill>
+            <a:tailEnd type="triangle"/>
+          </a:ln>
+        </p:spPr>
+        <p:style>
+          <a:lnRef idx="1">
+            <a:schemeClr val="accent1"/>
+          </a:lnRef>
+          <a:fillRef idx="0">
+            <a:schemeClr val="accent1"/>
+          </a:fillRef>
+          <a:effectRef idx="0">
+            <a:schemeClr val="accent1"/>
+          </a:effectRef>
+          <a:fontRef idx="minor">
+            <a:schemeClr val="tx1"/>
+          </a:fontRef>
+        </p:style>
+      </p:cxnSp>
+      <p:sp>
+        <p:nvSpPr>
+          <p:cNvPr id="42" name="Прямоугольник 41"/>
+          <p:cNvSpPr/>
+          <p:nvPr/>
+        </p:nvSpPr>
+        <p:spPr>
+          <a:xfrm>
+            <a:off x="1383956" y="5432977"/>
+            <a:ext cx="1565186" cy="302679"/>
+          </a:xfrm>
+          <a:prstGeom prst="rect">
+            <a:avLst/>
+          </a:prstGeom>
+        </p:spPr>
+        <p:style>
+          <a:lnRef idx="2">
+            <a:schemeClr val="dk1"/>
+          </a:lnRef>
+          <a:fillRef idx="1">
+            <a:schemeClr val="lt1"/>
+          </a:fillRef>
+          <a:effectRef idx="0">
+            <a:schemeClr val="dk1"/>
+          </a:effectRef>
+          <a:fontRef idx="minor">
+            <a:schemeClr val="dk1"/>
+          </a:fontRef>
+        </p:style>
+        <p:txBody>
+          <a:bodyPr rtlCol="0" anchor="ctr"/>
+          <a:lstStyle/>
+          <a:p>
+            <a:pPr algn="ctr"/>
+            <a:r>
+              <a:rPr lang="ru-RU" dirty="0" err="1" smtClean="0"/>
+              <a:t>Криптоблоки</a:t>
+            </a:r>
+            <a:endParaRPr lang="ru-RU" dirty="0"/>
+          </a:p>
+        </p:txBody>
+      </p:sp>
+      <p:cxnSp>
+        <p:nvCxnSpPr>
+          <p:cNvPr id="49" name="Соединительная линия уступом 48"/>
+          <p:cNvCxnSpPr>
+            <a:stCxn id="8" idx="1"/>
+            <a:endCxn id="42" idx="0"/>
+          </p:cNvCxnSpPr>
+          <p:nvPr/>
+        </p:nvCxnSpPr>
+        <p:spPr>
+          <a:xfrm rot="10800000" flipV="1">
+            <a:off x="2166549" y="4505409"/>
+            <a:ext cx="2685536" cy="927567"/>
+          </a:xfrm>
+          <a:prstGeom prst="bentConnector2">
+            <a:avLst/>
+          </a:prstGeom>
+          <a:ln>
+            <a:tailEnd type="triangle"/>
+          </a:ln>
+        </p:spPr>
+        <p:style>
+          <a:lnRef idx="2">
+            <a:schemeClr val="dk1"/>
+          </a:lnRef>
+          <a:fillRef idx="0">
+            <a:schemeClr val="dk1"/>
+          </a:fillRef>
+          <a:effectRef idx="1">
+            <a:schemeClr val="dk1"/>
+          </a:effectRef>
+          <a:fontRef idx="minor">
+            <a:schemeClr val="tx1"/>
+          </a:fontRef>
+        </p:style>
+      </p:cxnSp>
+      <p:sp>
+        <p:nvSpPr>
+          <p:cNvPr id="54" name="Прямоугольник 53"/>
+          <p:cNvSpPr/>
+          <p:nvPr/>
+        </p:nvSpPr>
+        <p:spPr>
+          <a:xfrm>
+            <a:off x="5321643" y="5432977"/>
+            <a:ext cx="1565186" cy="302679"/>
+          </a:xfrm>
+          <a:prstGeom prst="rect">
+            <a:avLst/>
+          </a:prstGeom>
+        </p:spPr>
+        <p:style>
+          <a:lnRef idx="2">
+            <a:schemeClr val="dk1"/>
+          </a:lnRef>
+          <a:fillRef idx="1">
+            <a:schemeClr val="lt1"/>
+          </a:fillRef>
+          <a:effectRef idx="0">
+            <a:schemeClr val="dk1"/>
+          </a:effectRef>
+          <a:fontRef idx="minor">
+            <a:schemeClr val="dk1"/>
+          </a:fontRef>
+        </p:style>
+        <p:txBody>
+          <a:bodyPr rtlCol="0" anchor="ctr"/>
+          <a:lstStyle/>
+          <a:p>
+            <a:pPr algn="ctr"/>
             <a:r>
               <a:rPr lang="ru-RU" dirty="0" smtClean="0"/>
-              <a:t>Выбрать тип модели потока ошибок</a:t>
-            </a:r>
-          </a:p>
-          <a:p>
-            <a:pPr marL="342900" indent="-342900">
-              <a:buAutoNum type="arabicParenR"/>
-            </a:pPr>
+              <a:t>Пакеты</a:t>
+            </a:r>
+            <a:endParaRPr lang="ru-RU" dirty="0"/>
+          </a:p>
+        </p:txBody>
+      </p:sp>
+      <p:cxnSp>
+        <p:nvCxnSpPr>
+          <p:cNvPr id="56" name="Прямая со стрелкой 55"/>
+          <p:cNvCxnSpPr>
+            <a:stCxn id="42" idx="3"/>
+            <a:endCxn id="54" idx="1"/>
+          </p:cNvCxnSpPr>
+          <p:nvPr/>
+        </p:nvCxnSpPr>
+        <p:spPr>
+          <a:xfrm>
+            <a:off x="2949142" y="5584317"/>
+            <a:ext cx="2372501" cy="0"/>
+          </a:xfrm>
+          <a:prstGeom prst="straightConnector1">
+            <a:avLst/>
+          </a:prstGeom>
+          <a:ln>
+            <a:tailEnd type="triangle"/>
+          </a:ln>
+        </p:spPr>
+        <p:style>
+          <a:lnRef idx="2">
+            <a:schemeClr val="dk1"/>
+          </a:lnRef>
+          <a:fillRef idx="0">
+            <a:schemeClr val="dk1"/>
+          </a:fillRef>
+          <a:effectRef idx="1">
+            <a:schemeClr val="dk1"/>
+          </a:effectRef>
+          <a:fontRef idx="minor">
+            <a:schemeClr val="tx1"/>
+          </a:fontRef>
+        </p:style>
+      </p:cxnSp>
+      <p:cxnSp>
+        <p:nvCxnSpPr>
+          <p:cNvPr id="59" name="Прямая со стрелкой 58"/>
+          <p:cNvCxnSpPr>
+            <a:stCxn id="54" idx="0"/>
+            <a:endCxn id="8" idx="2"/>
+          </p:cNvCxnSpPr>
+          <p:nvPr/>
+        </p:nvCxnSpPr>
+        <p:spPr>
+          <a:xfrm flipH="1" flipV="1">
+            <a:off x="6096000" y="4884350"/>
+            <a:ext cx="8236" cy="548627"/>
+          </a:xfrm>
+          <a:prstGeom prst="straightConnector1">
+            <a:avLst/>
+          </a:prstGeom>
+          <a:ln>
+            <a:tailEnd type="triangle"/>
+          </a:ln>
+        </p:spPr>
+        <p:style>
+          <a:lnRef idx="2">
+            <a:schemeClr val="dk1"/>
+          </a:lnRef>
+          <a:fillRef idx="0">
+            <a:schemeClr val="dk1"/>
+          </a:fillRef>
+          <a:effectRef idx="1">
+            <a:schemeClr val="dk1"/>
+          </a:effectRef>
+          <a:fontRef idx="minor">
+            <a:schemeClr val="tx1"/>
+          </a:fontRef>
+        </p:style>
+      </p:cxnSp>
+      <p:sp>
+        <p:nvSpPr>
+          <p:cNvPr id="62" name="Прямоугольник 61"/>
+          <p:cNvSpPr/>
+          <p:nvPr/>
+        </p:nvSpPr>
+        <p:spPr>
+          <a:xfrm>
+            <a:off x="9160477" y="4354069"/>
+            <a:ext cx="1565186" cy="302679"/>
+          </a:xfrm>
+          <a:prstGeom prst="rect">
+            <a:avLst/>
+          </a:prstGeom>
+        </p:spPr>
+        <p:style>
+          <a:lnRef idx="2">
+            <a:schemeClr val="dk1"/>
+          </a:lnRef>
+          <a:fillRef idx="1">
+            <a:schemeClr val="lt1"/>
+          </a:fillRef>
+          <a:effectRef idx="0">
+            <a:schemeClr val="dk1"/>
+          </a:effectRef>
+          <a:fontRef idx="minor">
+            <a:schemeClr val="dk1"/>
+          </a:fontRef>
+        </p:style>
+        <p:txBody>
+          <a:bodyPr rtlCol="0" anchor="ctr"/>
+          <a:lstStyle/>
+          <a:p>
+            <a:pPr algn="ctr"/>
             <a:r>
               <a:rPr lang="ru-RU" dirty="0" smtClean="0"/>
-              <a:t>Установить размер потока данных, размер блоков, размер пакета</a:t>
-            </a:r>
-          </a:p>
-          <a:p>
-            <a:pPr marL="342900" indent="-342900">
-              <a:buAutoNum type="arabicParenR"/>
-            </a:pPr>
+              <a:t>Статистика</a:t>
+            </a:r>
+            <a:endParaRPr lang="ru-RU" dirty="0"/>
+          </a:p>
+        </p:txBody>
+      </p:sp>
+      <p:cxnSp>
+        <p:nvCxnSpPr>
+          <p:cNvPr id="66" name="Прямая со стрелкой 65"/>
+          <p:cNvCxnSpPr>
+            <a:stCxn id="8" idx="3"/>
+            <a:endCxn id="62" idx="1"/>
+          </p:cNvCxnSpPr>
+          <p:nvPr/>
+        </p:nvCxnSpPr>
+        <p:spPr>
+          <a:xfrm flipV="1">
+            <a:off x="7339914" y="4505409"/>
+            <a:ext cx="1820563" cy="1"/>
+          </a:xfrm>
+          <a:prstGeom prst="straightConnector1">
+            <a:avLst/>
+          </a:prstGeom>
+          <a:ln>
+            <a:tailEnd type="triangle"/>
+          </a:ln>
+        </p:spPr>
+        <p:style>
+          <a:lnRef idx="2">
+            <a:schemeClr val="dk1"/>
+          </a:lnRef>
+          <a:fillRef idx="0">
+            <a:schemeClr val="dk1"/>
+          </a:fillRef>
+          <a:effectRef idx="1">
+            <a:schemeClr val="dk1"/>
+          </a:effectRef>
+          <a:fontRef idx="minor">
+            <a:schemeClr val="tx1"/>
+          </a:fontRef>
+        </p:style>
+      </p:cxnSp>
+      <p:sp>
+        <p:nvSpPr>
+          <p:cNvPr id="3" name="Прямоугольник 2"/>
+          <p:cNvSpPr/>
+          <p:nvPr/>
+        </p:nvSpPr>
+        <p:spPr>
+          <a:xfrm>
+            <a:off x="8827874" y="5347036"/>
+            <a:ext cx="1451506" cy="594360"/>
+          </a:xfrm>
+          <a:prstGeom prst="rect">
+            <a:avLst/>
+          </a:prstGeom>
+        </p:spPr>
+        <p:style>
+          <a:lnRef idx="2">
+            <a:schemeClr val="dk1"/>
+          </a:lnRef>
+          <a:fillRef idx="1">
+            <a:schemeClr val="lt1"/>
+          </a:fillRef>
+          <a:effectRef idx="0">
+            <a:schemeClr val="dk1"/>
+          </a:effectRef>
+          <a:fontRef idx="minor">
+            <a:schemeClr val="dk1"/>
+          </a:fontRef>
+        </p:style>
+        <p:txBody>
+          <a:bodyPr rtlCol="0" anchor="ctr"/>
+          <a:lstStyle/>
+          <a:p>
+            <a:pPr algn="ctr"/>
             <a:r>
               <a:rPr lang="ru-RU" dirty="0" smtClean="0"/>
-              <a:t>Установить параметры модели потока ошибок</a:t>
-            </a:r>
-          </a:p>
-          <a:p>
-            <a:pPr marL="342900" indent="-342900">
-              <a:buAutoNum type="arabicParenR"/>
-            </a:pPr>
+              <a:t>Текстовые данные</a:t>
+            </a:r>
+            <a:endParaRPr lang="en-US" dirty="0"/>
+          </a:p>
+        </p:txBody>
+      </p:sp>
+      <p:sp>
+        <p:nvSpPr>
+          <p:cNvPr id="22" name="Прямоугольник 21"/>
+          <p:cNvSpPr/>
+          <p:nvPr/>
+        </p:nvSpPr>
+        <p:spPr>
+          <a:xfrm>
+            <a:off x="10668000" y="5347036"/>
+            <a:ext cx="1468603" cy="594360"/>
+          </a:xfrm>
+          <a:prstGeom prst="rect">
+            <a:avLst/>
+          </a:prstGeom>
+        </p:spPr>
+        <p:style>
+          <a:lnRef idx="2">
+            <a:schemeClr val="dk1"/>
+          </a:lnRef>
+          <a:fillRef idx="1">
+            <a:schemeClr val="lt1"/>
+          </a:fillRef>
+          <a:effectRef idx="0">
+            <a:schemeClr val="dk1"/>
+          </a:effectRef>
+          <a:fontRef idx="minor">
+            <a:schemeClr val="dk1"/>
+          </a:fontRef>
+        </p:style>
+        <p:txBody>
+          <a:bodyPr rtlCol="0" anchor="ctr"/>
+          <a:lstStyle/>
+          <a:p>
+            <a:pPr algn="ctr"/>
             <a:r>
               <a:rPr lang="ru-RU" dirty="0" smtClean="0"/>
-              <a:t>Установить параметры кода для моделирования</a:t>
-            </a:r>
-            <a:endParaRPr lang="en-US" dirty="0" smtClean="0"/>
-          </a:p>
-        </p:txBody>
-      </p:sp>
+              <a:t>Графические данные</a:t>
+            </a:r>
+            <a:endParaRPr lang="en-US" dirty="0"/>
+          </a:p>
+        </p:txBody>
+      </p:sp>
+      <p:cxnSp>
+        <p:nvCxnSpPr>
+          <p:cNvPr id="14" name="Прямая со стрелкой 13"/>
+          <p:cNvCxnSpPr>
+            <a:stCxn id="62" idx="2"/>
+            <a:endCxn id="3" idx="0"/>
+          </p:cNvCxnSpPr>
+          <p:nvPr/>
+        </p:nvCxnSpPr>
+        <p:spPr>
+          <a:xfrm flipH="1">
+            <a:off x="9553627" y="4656748"/>
+            <a:ext cx="389443" cy="690288"/>
+          </a:xfrm>
+          <a:prstGeom prst="straightConnector1">
+            <a:avLst/>
+          </a:prstGeom>
+          <a:ln>
+            <a:tailEnd type="triangle"/>
+          </a:ln>
+        </p:spPr>
+        <p:style>
+          <a:lnRef idx="2">
+            <a:schemeClr val="dk1"/>
+          </a:lnRef>
+          <a:fillRef idx="0">
+            <a:schemeClr val="dk1"/>
+          </a:fillRef>
+          <a:effectRef idx="1">
+            <a:schemeClr val="dk1"/>
+          </a:effectRef>
+          <a:fontRef idx="minor">
+            <a:schemeClr val="tx1"/>
+          </a:fontRef>
+        </p:style>
+      </p:cxnSp>
+      <p:cxnSp>
+        <p:nvCxnSpPr>
+          <p:cNvPr id="18" name="Прямая со стрелкой 17"/>
+          <p:cNvCxnSpPr>
+            <a:stCxn id="62" idx="2"/>
+            <a:endCxn id="22" idx="0"/>
+          </p:cNvCxnSpPr>
+          <p:nvPr/>
+        </p:nvCxnSpPr>
+        <p:spPr>
+          <a:xfrm>
+            <a:off x="9943070" y="4656748"/>
+            <a:ext cx="1459232" cy="690288"/>
+          </a:xfrm>
+          <a:prstGeom prst="straightConnector1">
+            <a:avLst/>
+          </a:prstGeom>
+          <a:ln>
+            <a:tailEnd type="triangle"/>
+          </a:ln>
+        </p:spPr>
+        <p:style>
+          <a:lnRef idx="2">
+            <a:schemeClr val="dk1"/>
+          </a:lnRef>
+          <a:fillRef idx="0">
+            <a:schemeClr val="dk1"/>
+          </a:fillRef>
+          <a:effectRef idx="1">
+            <a:schemeClr val="dk1"/>
+          </a:effectRef>
+          <a:fontRef idx="minor">
+            <a:schemeClr val="tx1"/>
+          </a:fontRef>
+        </p:style>
+      </p:cxnSp>
     </p:spTree>
     <p:extLst>
       <p:ext uri="{BB962C8B-B14F-4D97-AF65-F5344CB8AC3E}">
-        <p14:creationId xmlns:p14="http://schemas.microsoft.com/office/powerpoint/2010/main" val="3271579981"/>
+        <p14:creationId xmlns:p14="http://schemas.microsoft.com/office/powerpoint/2010/main" val="2979329721"/>
       </p:ext>
     </p:extLst>
   </p:cSld>
